--- a/Docs/LevashovKursPrezent2.pptx
+++ b/Docs/LevashovKursPrezent2.pptx
@@ -8784,7 +8784,7 @@
             <a:pPr algn="ctr"/>
             <a:r>
               <a:rPr lang="ru-RU" dirty="0"/>
-              <a:t>Реализация Авторизации Пользователя </a:t>
+              <a:t>Окно Авторизации</a:t>
             </a:r>
           </a:p>
         </p:txBody>
@@ -9547,7 +9547,7 @@
         </p:blipFill>
         <p:spPr bwMode="auto">
           <a:xfrm>
-            <a:off x="594996" y="3569702"/>
+            <a:off x="1066800" y="3704471"/>
             <a:ext cx="4976060" cy="1939207"/>
           </a:xfrm>
           <a:prstGeom prst="rect">
@@ -9688,7 +9688,7 @@
         </p:blipFill>
         <p:spPr bwMode="auto">
           <a:xfrm>
-            <a:off x="3758837" y="1589441"/>
+            <a:off x="3831423" y="2673707"/>
             <a:ext cx="4674326" cy="876436"/>
           </a:xfrm>
           <a:prstGeom prst="rect">

--- a/Docs/LevashovKursPrezent2.pptx
+++ b/Docs/LevashovKursPrezent2.pptx
@@ -5,17 +5,22 @@
     <p:sldMasterId id="2147483685" r:id="rId1"/>
   </p:sldMasterIdLst>
   <p:notesMasterIdLst>
-    <p:notesMasterId r:id="rId10"/>
+    <p:notesMasterId r:id="rId15"/>
   </p:notesMasterIdLst>
   <p:sldIdLst>
     <p:sldId id="256" r:id="rId2"/>
     <p:sldId id="266" r:id="rId3"/>
-    <p:sldId id="267" r:id="rId4"/>
-    <p:sldId id="268" r:id="rId5"/>
-    <p:sldId id="269" r:id="rId6"/>
-    <p:sldId id="270" r:id="rId7"/>
-    <p:sldId id="265" r:id="rId8"/>
-    <p:sldId id="264" r:id="rId9"/>
+    <p:sldId id="265" r:id="rId4"/>
+    <p:sldId id="274" r:id="rId5"/>
+    <p:sldId id="267" r:id="rId6"/>
+    <p:sldId id="275" r:id="rId7"/>
+    <p:sldId id="268" r:id="rId8"/>
+    <p:sldId id="271" r:id="rId9"/>
+    <p:sldId id="272" r:id="rId10"/>
+    <p:sldId id="270" r:id="rId11"/>
+    <p:sldId id="273" r:id="rId12"/>
+    <p:sldId id="269" r:id="rId13"/>
+    <p:sldId id="264" r:id="rId14"/>
   </p:sldIdLst>
   <p:sldSz cx="12192000" cy="6858000"/>
   <p:notesSz cx="6858000" cy="9144000"/>
@@ -620,7 +625,7 @@
           <a:p>
             <a:fld id="{4E906987-4A52-4D90-965D-E0B651B58DA5}" type="slidenum">
               <a:rPr lang="ru-RU" smtClean="0"/>
-              <a:t>8</a:t>
+              <a:t>13</a:t>
             </a:fld>
             <a:endParaRPr lang="ru-RU"/>
           </a:p>
@@ -7977,510 +7982,7 @@
 </p:sld>
 </file>
 
-<file path=ppt/slides/slide2.xml><?xml version="1.0" encoding="utf-8"?>
-<p:sld xmlns:a="http://schemas.openxmlformats.org/drawingml/2006/main" xmlns:r="http://schemas.openxmlformats.org/officeDocument/2006/relationships" xmlns:p="http://schemas.openxmlformats.org/presentationml/2006/main">
-  <p:cSld>
-    <p:spTree>
-      <p:nvGrpSpPr>
-        <p:cNvPr id="1" name=""/>
-        <p:cNvGrpSpPr/>
-        <p:nvPr/>
-      </p:nvGrpSpPr>
-      <p:grpSpPr>
-        <a:xfrm>
-          <a:off x="0" y="0"/>
-          <a:ext cx="0" cy="0"/>
-          <a:chOff x="0" y="0"/>
-          <a:chExt cx="0" cy="0"/>
-        </a:xfrm>
-      </p:grpSpPr>
-      <p:sp>
-        <p:nvSpPr>
-          <p:cNvPr id="2" name="Заголовок 1"/>
-          <p:cNvSpPr>
-            <a:spLocks noGrp="1"/>
-          </p:cNvSpPr>
-          <p:nvPr>
-            <p:ph type="title"/>
-          </p:nvPr>
-        </p:nvSpPr>
-        <p:spPr/>
-        <p:txBody>
-          <a:bodyPr/>
-          <a:lstStyle/>
-          <a:p>
-            <a:pPr algn="ctr"/>
-            <a:r>
-              <a:rPr lang="ru-RU" dirty="0">
-                <a:solidFill>
-                  <a:schemeClr val="tx2"/>
-                </a:solidFill>
-                <a:cs typeface="Arial" panose="020B0604020202020204" pitchFamily="34" charset="0"/>
-              </a:rPr>
-              <a:t>Постановка цели и задач</a:t>
-            </a:r>
-          </a:p>
-        </p:txBody>
-      </p:sp>
-      <p:sp>
-        <p:nvSpPr>
-          <p:cNvPr id="3" name="Объект 2"/>
-          <p:cNvSpPr>
-            <a:spLocks noGrp="1"/>
-          </p:cNvSpPr>
-          <p:nvPr>
-            <p:ph idx="1"/>
-          </p:nvPr>
-        </p:nvSpPr>
-        <p:spPr>
-          <a:xfrm>
-            <a:off x="959048" y="1520528"/>
-            <a:ext cx="10273903" cy="5043213"/>
-          </a:xfrm>
-        </p:spPr>
-        <p:txBody>
-          <a:bodyPr>
-            <a:normAutofit fontScale="92500"/>
-          </a:bodyPr>
-          <a:lstStyle/>
-          <a:p>
-            <a:pPr indent="0" algn="just">
-              <a:lnSpc>
-                <a:spcPct val="150000"/>
-              </a:lnSpc>
-              <a:spcAft>
-                <a:spcPts val="800"/>
-              </a:spcAft>
-              <a:buNone/>
-              <a:tabLst>
-                <a:tab pos="788035" algn="l"/>
-              </a:tabLst>
-            </a:pPr>
-            <a:r>
-              <a:rPr lang="en-US" sz="2200" dirty="0">
-                <a:solidFill>
-                  <a:schemeClr val="tx2"/>
-                </a:solidFill>
-                <a:latin typeface="Arial" panose="020B0604020202020204" pitchFamily="34" charset="0"/>
-                <a:cs typeface="Arial" panose="020B0604020202020204" pitchFamily="34" charset="0"/>
-              </a:rPr>
-              <a:t>	</a:t>
-            </a:r>
-            <a:r>
-              <a:rPr lang="ru-RU" sz="2200" dirty="0">
-                <a:solidFill>
-                  <a:schemeClr val="tx2"/>
-                </a:solidFill>
-                <a:latin typeface="Arial" panose="020B0604020202020204" pitchFamily="34" charset="0"/>
-                <a:cs typeface="Arial" panose="020B0604020202020204" pitchFamily="34" charset="0"/>
-              </a:rPr>
-              <a:t>Цель проекта: Разработка проекта по созданию компьютерной  игры в жанре </a:t>
-            </a:r>
-            <a:r>
-              <a:rPr lang="en-US" sz="2200" dirty="0" err="1">
-                <a:solidFill>
-                  <a:schemeClr val="tx2"/>
-                </a:solidFill>
-                <a:latin typeface="Arial" panose="020B0604020202020204" pitchFamily="34" charset="0"/>
-                <a:cs typeface="Arial" panose="020B0604020202020204" pitchFamily="34" charset="0"/>
-              </a:rPr>
-              <a:t>RogueLike</a:t>
-            </a:r>
-            <a:r>
-              <a:rPr lang="ru-RU" sz="2200" dirty="0">
-                <a:solidFill>
-                  <a:schemeClr val="tx2"/>
-                </a:solidFill>
-                <a:latin typeface="Arial" panose="020B0604020202020204" pitchFamily="34" charset="0"/>
-                <a:cs typeface="Arial" panose="020B0604020202020204" pitchFamily="34" charset="0"/>
-              </a:rPr>
-              <a:t>.</a:t>
-            </a:r>
-          </a:p>
-          <a:p>
-            <a:pPr marL="0" indent="0">
-              <a:lnSpc>
-                <a:spcPct val="100000"/>
-              </a:lnSpc>
-              <a:buNone/>
-            </a:pPr>
-            <a:r>
-              <a:rPr lang="ru-RU" sz="2200" dirty="0">
-                <a:solidFill>
-                  <a:schemeClr val="tx2"/>
-                </a:solidFill>
-                <a:latin typeface="Arial" panose="020B0604020202020204" pitchFamily="34" charset="0"/>
-                <a:cs typeface="Arial" panose="020B0604020202020204" pitchFamily="34" charset="0"/>
-              </a:rPr>
-              <a:t>Задачи:</a:t>
-            </a:r>
-          </a:p>
-          <a:p>
-            <a:pPr marL="180340" indent="0" algn="just">
-              <a:spcAft>
-                <a:spcPts val="800"/>
-              </a:spcAft>
-              <a:buNone/>
-            </a:pPr>
-            <a:r>
-              <a:rPr lang="en-US" sz="1600" dirty="0">
-                <a:solidFill>
-                  <a:srgbClr val="000000"/>
-                </a:solidFill>
-                <a:effectLst/>
-                <a:latin typeface="Arial" panose="020B0604020202020204" pitchFamily="34" charset="0"/>
-                <a:ea typeface="Times New Roman" panose="02020603050405020304" pitchFamily="18" charset="0"/>
-                <a:cs typeface="Arial" panose="020B0604020202020204" pitchFamily="34" charset="0"/>
-              </a:rPr>
-              <a:t>	</a:t>
-            </a:r>
-            <a:r>
-              <a:rPr lang="ru-RU" sz="1600" dirty="0">
-                <a:solidFill>
-                  <a:srgbClr val="000000"/>
-                </a:solidFill>
-                <a:effectLst/>
-                <a:latin typeface="Arial" panose="020B0604020202020204" pitchFamily="34" charset="0"/>
-                <a:ea typeface="Times New Roman" panose="02020603050405020304" pitchFamily="18" charset="0"/>
-                <a:cs typeface="Arial" panose="020B0604020202020204" pitchFamily="34" charset="0"/>
-              </a:rPr>
-              <a:t>-исследовать предметную область;</a:t>
-            </a:r>
-            <a:endParaRPr lang="ru-RU" sz="1600" dirty="0">
-              <a:effectLst/>
-              <a:latin typeface="Arial" panose="020B0604020202020204" pitchFamily="34" charset="0"/>
-              <a:ea typeface="Calibri" panose="020F0502020204030204" pitchFamily="34" charset="0"/>
-              <a:cs typeface="Arial" panose="020B0604020202020204" pitchFamily="34" charset="0"/>
-            </a:endParaRPr>
-          </a:p>
-          <a:p>
-            <a:pPr marL="180340" indent="0" algn="just">
-              <a:spcAft>
-                <a:spcPts val="800"/>
-              </a:spcAft>
-              <a:buNone/>
-            </a:pPr>
-            <a:r>
-              <a:rPr lang="en-US" sz="1600" dirty="0">
-                <a:solidFill>
-                  <a:srgbClr val="000000"/>
-                </a:solidFill>
-                <a:effectLst/>
-                <a:latin typeface="Arial" panose="020B0604020202020204" pitchFamily="34" charset="0"/>
-                <a:ea typeface="Times New Roman" panose="02020603050405020304" pitchFamily="18" charset="0"/>
-                <a:cs typeface="Arial" panose="020B0604020202020204" pitchFamily="34" charset="0"/>
-              </a:rPr>
-              <a:t>	</a:t>
-            </a:r>
-            <a:r>
-              <a:rPr lang="ru-RU" sz="1600" dirty="0">
-                <a:solidFill>
-                  <a:srgbClr val="000000"/>
-                </a:solidFill>
-                <a:effectLst/>
-                <a:latin typeface="Arial" panose="020B0604020202020204" pitchFamily="34" charset="0"/>
-                <a:ea typeface="Times New Roman" panose="02020603050405020304" pitchFamily="18" charset="0"/>
-                <a:cs typeface="Arial" panose="020B0604020202020204" pitchFamily="34" charset="0"/>
-              </a:rPr>
-              <a:t>-построить информационно-логическую модель с использованием СУБД;</a:t>
-            </a:r>
-            <a:endParaRPr lang="ru-RU" sz="1600" dirty="0">
-              <a:effectLst/>
-              <a:latin typeface="Arial" panose="020B0604020202020204" pitchFamily="34" charset="0"/>
-              <a:ea typeface="Calibri" panose="020F0502020204030204" pitchFamily="34" charset="0"/>
-              <a:cs typeface="Arial" panose="020B0604020202020204" pitchFamily="34" charset="0"/>
-            </a:endParaRPr>
-          </a:p>
-          <a:p>
-            <a:pPr marL="180340" indent="0" algn="just">
-              <a:spcAft>
-                <a:spcPts val="800"/>
-              </a:spcAft>
-              <a:buNone/>
-            </a:pPr>
-            <a:r>
-              <a:rPr lang="en-US" sz="1600" dirty="0">
-                <a:solidFill>
-                  <a:srgbClr val="000000"/>
-                </a:solidFill>
-                <a:effectLst/>
-                <a:latin typeface="Arial" panose="020B0604020202020204" pitchFamily="34" charset="0"/>
-                <a:ea typeface="Times New Roman" panose="02020603050405020304" pitchFamily="18" charset="0"/>
-                <a:cs typeface="Arial" panose="020B0604020202020204" pitchFamily="34" charset="0"/>
-              </a:rPr>
-              <a:t>	</a:t>
-            </a:r>
-            <a:r>
-              <a:rPr lang="ru-RU" sz="1600" dirty="0">
-                <a:solidFill>
-                  <a:srgbClr val="000000"/>
-                </a:solidFill>
-                <a:effectLst/>
-                <a:latin typeface="Arial" panose="020B0604020202020204" pitchFamily="34" charset="0"/>
-                <a:ea typeface="Times New Roman" panose="02020603050405020304" pitchFamily="18" charset="0"/>
-                <a:cs typeface="Arial" panose="020B0604020202020204" pitchFamily="34" charset="0"/>
-              </a:rPr>
-              <a:t>-создать пользовательский интерфейс;</a:t>
-            </a:r>
-            <a:endParaRPr lang="ru-RU" sz="1600" dirty="0">
-              <a:effectLst/>
-              <a:latin typeface="Arial" panose="020B0604020202020204" pitchFamily="34" charset="0"/>
-              <a:ea typeface="Calibri" panose="020F0502020204030204" pitchFamily="34" charset="0"/>
-              <a:cs typeface="Arial" panose="020B0604020202020204" pitchFamily="34" charset="0"/>
-            </a:endParaRPr>
-          </a:p>
-          <a:p>
-            <a:pPr marL="180340" indent="0" algn="just">
-              <a:spcAft>
-                <a:spcPts val="800"/>
-              </a:spcAft>
-              <a:buNone/>
-            </a:pPr>
-            <a:r>
-              <a:rPr lang="en-US" sz="1600" dirty="0">
-                <a:solidFill>
-                  <a:srgbClr val="000000"/>
-                </a:solidFill>
-                <a:effectLst/>
-                <a:latin typeface="Arial" panose="020B0604020202020204" pitchFamily="34" charset="0"/>
-                <a:ea typeface="Times New Roman" panose="02020603050405020304" pitchFamily="18" charset="0"/>
-                <a:cs typeface="Arial" panose="020B0604020202020204" pitchFamily="34" charset="0"/>
-              </a:rPr>
-              <a:t>	</a:t>
-            </a:r>
-            <a:r>
-              <a:rPr lang="ru-RU" sz="1600" dirty="0">
-                <a:solidFill>
-                  <a:srgbClr val="000000"/>
-                </a:solidFill>
-                <a:effectLst/>
-                <a:latin typeface="Arial" panose="020B0604020202020204" pitchFamily="34" charset="0"/>
-                <a:ea typeface="Times New Roman" panose="02020603050405020304" pitchFamily="18" charset="0"/>
-                <a:cs typeface="Arial" panose="020B0604020202020204" pitchFamily="34" charset="0"/>
-              </a:rPr>
-              <a:t>-разработать формы для внесения информации;</a:t>
-            </a:r>
-            <a:endParaRPr lang="ru-RU" sz="1600" dirty="0">
-              <a:effectLst/>
-              <a:latin typeface="Arial" panose="020B0604020202020204" pitchFamily="34" charset="0"/>
-              <a:ea typeface="Calibri" panose="020F0502020204030204" pitchFamily="34" charset="0"/>
-              <a:cs typeface="Arial" panose="020B0604020202020204" pitchFamily="34" charset="0"/>
-            </a:endParaRPr>
-          </a:p>
-          <a:p>
-            <a:pPr marL="180340" indent="0" algn="just">
-              <a:spcAft>
-                <a:spcPts val="800"/>
-              </a:spcAft>
-              <a:buNone/>
-            </a:pPr>
-            <a:r>
-              <a:rPr lang="en-US" sz="1600" dirty="0">
-                <a:solidFill>
-                  <a:srgbClr val="000000"/>
-                </a:solidFill>
-                <a:effectLst/>
-                <a:latin typeface="Arial" panose="020B0604020202020204" pitchFamily="34" charset="0"/>
-                <a:ea typeface="Times New Roman" panose="02020603050405020304" pitchFamily="18" charset="0"/>
-                <a:cs typeface="Arial" panose="020B0604020202020204" pitchFamily="34" charset="0"/>
-              </a:rPr>
-              <a:t>	</a:t>
-            </a:r>
-            <a:r>
-              <a:rPr lang="ru-RU" sz="1600" dirty="0">
-                <a:solidFill>
-                  <a:srgbClr val="000000"/>
-                </a:solidFill>
-                <a:effectLst/>
-                <a:latin typeface="Arial" panose="020B0604020202020204" pitchFamily="34" charset="0"/>
-                <a:ea typeface="Times New Roman" panose="02020603050405020304" pitchFamily="18" charset="0"/>
-                <a:cs typeface="Arial" panose="020B0604020202020204" pitchFamily="34" charset="0"/>
-              </a:rPr>
-              <a:t>-разработать визуальный стиль игры</a:t>
-            </a:r>
-            <a:r>
-              <a:rPr lang="ru-RU" sz="1600" dirty="0">
-                <a:solidFill>
-                  <a:srgbClr val="000000"/>
-                </a:solidFill>
-                <a:latin typeface="Arial" panose="020B0604020202020204" pitchFamily="34" charset="0"/>
-                <a:ea typeface="Times New Roman" panose="02020603050405020304" pitchFamily="18" charset="0"/>
-                <a:cs typeface="Arial" panose="020B0604020202020204" pitchFamily="34" charset="0"/>
-              </a:rPr>
-              <a:t>;</a:t>
-            </a:r>
-            <a:endParaRPr lang="ru-RU" sz="1600" dirty="0">
-              <a:effectLst/>
-              <a:latin typeface="Arial" panose="020B0604020202020204" pitchFamily="34" charset="0"/>
-              <a:ea typeface="Calibri" panose="020F0502020204030204" pitchFamily="34" charset="0"/>
-              <a:cs typeface="Arial" panose="020B0604020202020204" pitchFamily="34" charset="0"/>
-            </a:endParaRPr>
-          </a:p>
-          <a:p>
-            <a:pPr marL="180340" indent="0" algn="just">
-              <a:spcAft>
-                <a:spcPts val="800"/>
-              </a:spcAft>
-              <a:buNone/>
-            </a:pPr>
-            <a:r>
-              <a:rPr lang="en-US" sz="1600" dirty="0">
-                <a:solidFill>
-                  <a:srgbClr val="000000"/>
-                </a:solidFill>
-                <a:effectLst/>
-                <a:latin typeface="Arial" panose="020B0604020202020204" pitchFamily="34" charset="0"/>
-                <a:ea typeface="Times New Roman" panose="02020603050405020304" pitchFamily="18" charset="0"/>
-                <a:cs typeface="Arial" panose="020B0604020202020204" pitchFamily="34" charset="0"/>
-              </a:rPr>
-              <a:t>	</a:t>
-            </a:r>
-            <a:r>
-              <a:rPr lang="ru-RU" sz="1600" dirty="0">
-                <a:solidFill>
-                  <a:srgbClr val="000000"/>
-                </a:solidFill>
-                <a:effectLst/>
-                <a:latin typeface="Arial" panose="020B0604020202020204" pitchFamily="34" charset="0"/>
-                <a:ea typeface="Times New Roman" panose="02020603050405020304" pitchFamily="18" charset="0"/>
-                <a:cs typeface="Arial" panose="020B0604020202020204" pitchFamily="34" charset="0"/>
-              </a:rPr>
-              <a:t>-разработать методы управления игровым персонажем;</a:t>
-            </a:r>
-            <a:endParaRPr lang="ru-RU" sz="1600" dirty="0">
-              <a:effectLst/>
-              <a:latin typeface="Arial" panose="020B0604020202020204" pitchFamily="34" charset="0"/>
-              <a:ea typeface="Calibri" panose="020F0502020204030204" pitchFamily="34" charset="0"/>
-              <a:cs typeface="Arial" panose="020B0604020202020204" pitchFamily="34" charset="0"/>
-            </a:endParaRPr>
-          </a:p>
-          <a:p>
-            <a:pPr marL="180340" indent="0" algn="just">
-              <a:spcAft>
-                <a:spcPts val="800"/>
-              </a:spcAft>
-              <a:buNone/>
-            </a:pPr>
-            <a:r>
-              <a:rPr lang="en-US" sz="1600" dirty="0">
-                <a:solidFill>
-                  <a:srgbClr val="000000"/>
-                </a:solidFill>
-                <a:effectLst/>
-                <a:latin typeface="Arial" panose="020B0604020202020204" pitchFamily="34" charset="0"/>
-                <a:ea typeface="Times New Roman" panose="02020603050405020304" pitchFamily="18" charset="0"/>
-                <a:cs typeface="Arial" panose="020B0604020202020204" pitchFamily="34" charset="0"/>
-              </a:rPr>
-              <a:t>	</a:t>
-            </a:r>
-            <a:r>
-              <a:rPr lang="ru-RU" sz="1600" dirty="0">
-                <a:solidFill>
-                  <a:srgbClr val="000000"/>
-                </a:solidFill>
-                <a:effectLst/>
-                <a:latin typeface="Arial" panose="020B0604020202020204" pitchFamily="34" charset="0"/>
-                <a:ea typeface="Times New Roman" panose="02020603050405020304" pitchFamily="18" charset="0"/>
-                <a:cs typeface="Arial" panose="020B0604020202020204" pitchFamily="34" charset="0"/>
-              </a:rPr>
-              <a:t>-</a:t>
-            </a:r>
-            <a:r>
-              <a:rPr lang="ru-RU" sz="1600" dirty="0">
-                <a:solidFill>
-                  <a:srgbClr val="000000"/>
-                </a:solidFill>
-                <a:latin typeface="Arial" panose="020B0604020202020204" pitchFamily="34" charset="0"/>
-                <a:ea typeface="Times New Roman" panose="02020603050405020304" pitchFamily="18" charset="0"/>
-                <a:cs typeface="Arial" panose="020B0604020202020204" pitchFamily="34" charset="0"/>
-              </a:rPr>
-              <a:t>Разработать и </a:t>
-            </a:r>
-            <a:r>
-              <a:rPr lang="ru-RU" sz="1600" dirty="0">
-                <a:solidFill>
-                  <a:srgbClr val="000000"/>
-                </a:solidFill>
-                <a:effectLst/>
-                <a:latin typeface="Arial" panose="020B0604020202020204" pitchFamily="34" charset="0"/>
-                <a:ea typeface="Times New Roman" panose="02020603050405020304" pitchFamily="18" charset="0"/>
-                <a:cs typeface="Arial" panose="020B0604020202020204" pitchFamily="34" charset="0"/>
-              </a:rPr>
-              <a:t>протестировать игру;</a:t>
-            </a:r>
-            <a:endParaRPr lang="ru-RU" sz="1600" dirty="0">
-              <a:effectLst/>
-              <a:latin typeface="Arial" panose="020B0604020202020204" pitchFamily="34" charset="0"/>
-              <a:ea typeface="Calibri" panose="020F0502020204030204" pitchFamily="34" charset="0"/>
-              <a:cs typeface="Arial" panose="020B0604020202020204" pitchFamily="34" charset="0"/>
-            </a:endParaRPr>
-          </a:p>
-          <a:p>
-            <a:pPr marL="180340" indent="0" algn="just">
-              <a:spcAft>
-                <a:spcPts val="800"/>
-              </a:spcAft>
-              <a:buNone/>
-            </a:pPr>
-            <a:r>
-              <a:rPr lang="en-US" sz="1600" dirty="0">
-                <a:solidFill>
-                  <a:srgbClr val="000000"/>
-                </a:solidFill>
-                <a:effectLst/>
-                <a:latin typeface="Arial" panose="020B0604020202020204" pitchFamily="34" charset="0"/>
-                <a:ea typeface="Times New Roman" panose="02020603050405020304" pitchFamily="18" charset="0"/>
-                <a:cs typeface="Arial" panose="020B0604020202020204" pitchFamily="34" charset="0"/>
-              </a:rPr>
-              <a:t>	</a:t>
-            </a:r>
-            <a:r>
-              <a:rPr lang="ru-RU" sz="1600" dirty="0">
-                <a:solidFill>
-                  <a:srgbClr val="000000"/>
-                </a:solidFill>
-                <a:effectLst/>
-                <a:latin typeface="Arial" panose="020B0604020202020204" pitchFamily="34" charset="0"/>
-                <a:ea typeface="Times New Roman" panose="02020603050405020304" pitchFamily="18" charset="0"/>
-                <a:cs typeface="Arial" panose="020B0604020202020204" pitchFamily="34" charset="0"/>
-              </a:rPr>
-              <a:t>-разработать справочники, документы, отчеты и другие объекты конфигурации для данного проекта;</a:t>
-            </a:r>
-            <a:endParaRPr lang="ru-RU" sz="1600" dirty="0">
-              <a:effectLst/>
-              <a:latin typeface="Arial" panose="020B0604020202020204" pitchFamily="34" charset="0"/>
-              <a:ea typeface="Calibri" panose="020F0502020204030204" pitchFamily="34" charset="0"/>
-              <a:cs typeface="Arial" panose="020B0604020202020204" pitchFamily="34" charset="0"/>
-            </a:endParaRPr>
-          </a:p>
-        </p:txBody>
-      </p:sp>
-    </p:spTree>
-    <p:extLst>
-      <p:ext uri="{BB962C8B-B14F-4D97-AF65-F5344CB8AC3E}">
-        <p14:creationId xmlns:p14="http://schemas.microsoft.com/office/powerpoint/2010/main" val="3258136964"/>
-      </p:ext>
-    </p:extLst>
-  </p:cSld>
-  <p:clrMapOvr>
-    <a:masterClrMapping/>
-  </p:clrMapOvr>
-  <mc:AlternateContent xmlns:mc="http://schemas.openxmlformats.org/markup-compatibility/2006" xmlns:p14="http://schemas.microsoft.com/office/powerpoint/2010/main">
-    <mc:Choice Requires="p14">
-      <p:transition spd="med" p14:dur="700">
-        <p:fade/>
-      </p:transition>
-    </mc:Choice>
-    <mc:Fallback xmlns="">
-      <p:transition spd="med">
-        <p:fade/>
-      </p:transition>
-    </mc:Fallback>
-  </mc:AlternateContent>
-</p:sld>
-</file>
-
-<file path=ppt/slides/slide3.xml><?xml version="1.0" encoding="utf-8"?>
+<file path=ppt/slides/slide10.xml><?xml version="1.0" encoding="utf-8"?>
 <p:sld xmlns:a="http://schemas.openxmlformats.org/drawingml/2006/main" xmlns:r="http://schemas.openxmlformats.org/officeDocument/2006/relationships" xmlns:p="http://schemas.openxmlformats.org/presentationml/2006/main">
   <p:cSld>
     <p:spTree>
@@ -8502,7 +8004,7 @@
           <p:cNvPr id="2" name="Заголовок 1">
             <a:extLst>
               <a:ext uri="{FF2B5EF4-FFF2-40B4-BE49-F238E27FC236}">
-                <a16:creationId xmlns:a16="http://schemas.microsoft.com/office/drawing/2014/main" id="{6C9B5A61-33A2-4B5F-8101-AC0C06846411}"/>
+                <a16:creationId xmlns:a16="http://schemas.microsoft.com/office/drawing/2014/main" id="{5FE2BBBB-CDF7-4B7E-8FD3-137EE8B78917}"/>
               </a:ext>
             </a:extLst>
           </p:cNvPr>
@@ -8521,7 +8023,7 @@
             <a:pPr algn="ctr"/>
             <a:r>
               <a:rPr lang="ru-RU" dirty="0"/>
-              <a:t>Подключение Базы Данных</a:t>
+              <a:t>Внешний вид Игры</a:t>
             </a:r>
           </a:p>
         </p:txBody>
@@ -8531,7 +8033,7 @@
           <p:cNvPr id="3" name="Объект 2">
             <a:extLst>
               <a:ext uri="{FF2B5EF4-FFF2-40B4-BE49-F238E27FC236}">
-                <a16:creationId xmlns:a16="http://schemas.microsoft.com/office/drawing/2014/main" id="{42A89827-91DA-4048-B47B-910EAF96A70F}"/>
+                <a16:creationId xmlns:a16="http://schemas.microsoft.com/office/drawing/2014/main" id="{53D88717-AC8E-4390-B801-4AA36AA26624}"/>
               </a:ext>
             </a:extLst>
           </p:cNvPr>
@@ -8542,47 +8044,21 @@
             <p:ph idx="1"/>
           </p:nvPr>
         </p:nvSpPr>
-        <p:spPr>
-          <a:xfrm>
-            <a:off x="1251678" y="1632204"/>
-            <a:ext cx="10178322" cy="3593591"/>
-          </a:xfrm>
-        </p:spPr>
+        <p:spPr/>
         <p:txBody>
           <a:bodyPr/>
           <a:lstStyle/>
           <a:p>
-            <a:pPr algn="ctr"/>
-            <a:r>
-              <a:rPr lang="ru-RU" dirty="0"/>
-              <a:t>Подключение базы данных реализовано через </a:t>
-            </a:r>
-            <a:r>
-              <a:rPr lang="en-US" dirty="0" err="1"/>
-              <a:t>WWWForm</a:t>
-            </a:r>
-            <a:r>
-              <a:rPr lang="en-US" dirty="0"/>
-              <a:t> </a:t>
-            </a:r>
-            <a:r>
-              <a:rPr lang="ru-RU" dirty="0"/>
-              <a:t>и </a:t>
-            </a:r>
-            <a:r>
-              <a:rPr lang="en-US" dirty="0"/>
-              <a:t>WWW.</a:t>
-            </a:r>
-            <a:endParaRPr lang="ru-RU" dirty="0"/>
+            <a:endParaRPr lang="ru-RU"/>
           </a:p>
         </p:txBody>
       </p:sp>
       <p:pic>
         <p:nvPicPr>
-          <p:cNvPr id="1026" name="Picture 2">
+          <p:cNvPr id="4098" name="Picture 2">
             <a:extLst>
               <a:ext uri="{FF2B5EF4-FFF2-40B4-BE49-F238E27FC236}">
-                <a16:creationId xmlns:a16="http://schemas.microsoft.com/office/drawing/2014/main" id="{83F6BE33-E188-4A24-B167-8565D8556992}"/>
+                <a16:creationId xmlns:a16="http://schemas.microsoft.com/office/drawing/2014/main" id="{1D10B0A6-F5B7-4E72-9D98-3D8DCE726EA5}"/>
               </a:ext>
             </a:extLst>
           </p:cNvPr>
@@ -8606,102 +8082,8 @@
         </p:blipFill>
         <p:spPr bwMode="auto">
           <a:xfrm>
-            <a:off x="3494684" y="2155451"/>
-            <a:ext cx="5819775" cy="771525"/>
-          </a:xfrm>
-          <a:prstGeom prst="rect">
-            <a:avLst/>
-          </a:prstGeom>
-          <a:noFill/>
-          <a:extLst>
-            <a:ext uri="{909E8E84-426E-40DD-AFC4-6F175D3DCCD1}">
-              <a14:hiddenFill xmlns:a14="http://schemas.microsoft.com/office/drawing/2010/main">
-                <a:solidFill>
-                  <a:srgbClr val="FFFFFF"/>
-                </a:solidFill>
-              </a14:hiddenFill>
-            </a:ext>
-          </a:extLst>
-        </p:spPr>
-      </p:pic>
-      <p:pic>
-        <p:nvPicPr>
-          <p:cNvPr id="1028" name="Picture 4">
-            <a:extLst>
-              <a:ext uri="{FF2B5EF4-FFF2-40B4-BE49-F238E27FC236}">
-                <a16:creationId xmlns:a16="http://schemas.microsoft.com/office/drawing/2014/main" id="{22BC5626-4318-453E-BBC9-2126592E2C6E}"/>
-              </a:ext>
-            </a:extLst>
-          </p:cNvPr>
-          <p:cNvPicPr>
-            <a:picLocks noChangeAspect="1" noChangeArrowheads="1"/>
-          </p:cNvPicPr>
-          <p:nvPr/>
-        </p:nvPicPr>
-        <p:blipFill>
-          <a:blip r:embed="rId3">
-            <a:extLst>
-              <a:ext uri="{28A0092B-C50C-407E-A947-70E740481C1C}">
-                <a14:useLocalDpi xmlns:a14="http://schemas.microsoft.com/office/drawing/2010/main" val="0"/>
-              </a:ext>
-            </a:extLst>
-          </a:blip>
-          <a:srcRect/>
-          <a:stretch>
-            <a:fillRect/>
-          </a:stretch>
-        </p:blipFill>
-        <p:spPr bwMode="auto">
-          <a:xfrm>
-            <a:off x="2980255" y="2916617"/>
-            <a:ext cx="2114752" cy="3277960"/>
-          </a:xfrm>
-          <a:prstGeom prst="rect">
-            <a:avLst/>
-          </a:prstGeom>
-          <a:noFill/>
-          <a:extLst>
-            <a:ext uri="{909E8E84-426E-40DD-AFC4-6F175D3DCCD1}">
-              <a14:hiddenFill xmlns:a14="http://schemas.microsoft.com/office/drawing/2010/main">
-                <a:solidFill>
-                  <a:srgbClr val="FFFFFF"/>
-                </a:solidFill>
-              </a14:hiddenFill>
-            </a:ext>
-          </a:extLst>
-        </p:spPr>
-      </p:pic>
-      <p:pic>
-        <p:nvPicPr>
-          <p:cNvPr id="1032" name="Picture 8">
-            <a:extLst>
-              <a:ext uri="{FF2B5EF4-FFF2-40B4-BE49-F238E27FC236}">
-                <a16:creationId xmlns:a16="http://schemas.microsoft.com/office/drawing/2014/main" id="{E70064E8-C3CE-4DD6-9772-C29680D79412}"/>
-              </a:ext>
-            </a:extLst>
-          </p:cNvPr>
-          <p:cNvPicPr>
-            <a:picLocks noChangeAspect="1" noChangeArrowheads="1"/>
-          </p:cNvPicPr>
-          <p:nvPr/>
-        </p:nvPicPr>
-        <p:blipFill>
-          <a:blip r:embed="rId4">
-            <a:extLst>
-              <a:ext uri="{28A0092B-C50C-407E-A947-70E740481C1C}">
-                <a14:useLocalDpi xmlns:a14="http://schemas.microsoft.com/office/drawing/2010/main" val="0"/>
-              </a:ext>
-            </a:extLst>
-          </a:blip>
-          <a:srcRect/>
-          <a:stretch>
-            <a:fillRect/>
-          </a:stretch>
-        </p:blipFill>
-        <p:spPr bwMode="auto">
-          <a:xfrm>
-            <a:off x="5911481" y="2916617"/>
-            <a:ext cx="4702045" cy="3330078"/>
+            <a:off x="2874897" y="2286001"/>
+            <a:ext cx="6442205" cy="3626316"/>
           </a:xfrm>
           <a:prstGeom prst="rect">
             <a:avLst/>
@@ -8721,7 +8103,7 @@
     </p:spTree>
     <p:extLst>
       <p:ext uri="{BB962C8B-B14F-4D97-AF65-F5344CB8AC3E}">
-        <p14:creationId xmlns:p14="http://schemas.microsoft.com/office/powerpoint/2010/main" val="639286524"/>
+        <p14:creationId xmlns:p14="http://schemas.microsoft.com/office/powerpoint/2010/main" val="4185122730"/>
       </p:ext>
     </p:extLst>
   </p:cSld>
@@ -8743,7 +8125,7 @@
 </p:sld>
 </file>
 
-<file path=ppt/slides/slide4.xml><?xml version="1.0" encoding="utf-8"?>
+<file path=ppt/slides/slide11.xml><?xml version="1.0" encoding="utf-8"?>
 <p:sld xmlns:a="http://schemas.openxmlformats.org/drawingml/2006/main" xmlns:r="http://schemas.openxmlformats.org/officeDocument/2006/relationships" xmlns:p="http://schemas.openxmlformats.org/presentationml/2006/main">
   <p:cSld>
     <p:spTree>
@@ -8765,7 +8147,7 @@
           <p:cNvPr id="2" name="Заголовок 1">
             <a:extLst>
               <a:ext uri="{FF2B5EF4-FFF2-40B4-BE49-F238E27FC236}">
-                <a16:creationId xmlns:a16="http://schemas.microsoft.com/office/drawing/2014/main" id="{39BDDA2D-1995-48F4-B78A-9453AD54E453}"/>
+                <a16:creationId xmlns:a16="http://schemas.microsoft.com/office/drawing/2014/main" id="{29CD1624-52BD-494C-BBA7-387325E1DA60}"/>
               </a:ext>
             </a:extLst>
           </p:cNvPr>
@@ -8784,7 +8166,7 @@
             <a:pPr algn="ctr"/>
             <a:r>
               <a:rPr lang="ru-RU" dirty="0"/>
-              <a:t>Окно Авторизации</a:t>
+              <a:t>Меню после проигрыша </a:t>
             </a:r>
           </a:p>
         </p:txBody>
@@ -8794,7 +8176,7 @@
           <p:cNvPr id="3" name="Объект 2">
             <a:extLst>
               <a:ext uri="{FF2B5EF4-FFF2-40B4-BE49-F238E27FC236}">
-                <a16:creationId xmlns:a16="http://schemas.microsoft.com/office/drawing/2014/main" id="{7466B213-66A0-443C-8BCA-28C7F3678720}"/>
+                <a16:creationId xmlns:a16="http://schemas.microsoft.com/office/drawing/2014/main" id="{9B83284D-831E-4007-A7F5-52C49113E612}"/>
               </a:ext>
             </a:extLst>
           </p:cNvPr>
@@ -8810,7 +8192,7 @@
           <a:bodyPr/>
           <a:lstStyle/>
           <a:p>
-            <a:endParaRPr lang="ru-RU" dirty="0"/>
+            <a:endParaRPr lang="ru-RU"/>
           </a:p>
         </p:txBody>
       </p:sp>
@@ -8819,7 +8201,7 @@
           <p:cNvPr id="5" name="Рисунок 4">
             <a:extLst>
               <a:ext uri="{FF2B5EF4-FFF2-40B4-BE49-F238E27FC236}">
-                <a16:creationId xmlns:a16="http://schemas.microsoft.com/office/drawing/2014/main" id="{8CB3C0DB-0892-40AB-B655-76BD396C7DE2}"/>
+                <a16:creationId xmlns:a16="http://schemas.microsoft.com/office/drawing/2014/main" id="{1BF04F68-9A79-4728-A6F9-F913E09362D6}"/>
               </a:ext>
             </a:extLst>
           </p:cNvPr>
@@ -8836,8 +8218,8 @@
         </p:blipFill>
         <p:spPr>
           <a:xfrm>
-            <a:off x="4606290" y="2253675"/>
-            <a:ext cx="2979420" cy="4295775"/>
+            <a:off x="4205023" y="2010453"/>
+            <a:ext cx="3781953" cy="3934374"/>
           </a:xfrm>
           <a:prstGeom prst="rect">
             <a:avLst/>
@@ -8847,7 +8229,7 @@
     </p:spTree>
     <p:extLst>
       <p:ext uri="{BB962C8B-B14F-4D97-AF65-F5344CB8AC3E}">
-        <p14:creationId xmlns:p14="http://schemas.microsoft.com/office/powerpoint/2010/main" val="586161051"/>
+        <p14:creationId xmlns:p14="http://schemas.microsoft.com/office/powerpoint/2010/main" val="3757079955"/>
       </p:ext>
     </p:extLst>
   </p:cSld>
@@ -8869,7 +8251,7 @@
 </p:sld>
 </file>
 
-<file path=ppt/slides/slide5.xml><?xml version="1.0" encoding="utf-8"?>
+<file path=ppt/slides/slide12.xml><?xml version="1.0" encoding="utf-8"?>
 <p:sld xmlns:a="http://schemas.openxmlformats.org/drawingml/2006/main" xmlns:r="http://schemas.openxmlformats.org/officeDocument/2006/relationships" xmlns:p="http://schemas.openxmlformats.org/presentationml/2006/main">
   <p:cSld>
     <p:spTree>
@@ -8989,7 +8371,7 @@
 </p:sld>
 </file>
 
-<file path=ppt/slides/slide6.xml><?xml version="1.0" encoding="utf-8"?>
+<file path=ppt/slides/slide13.xml><?xml version="1.0" encoding="utf-8"?>
 <p:sld xmlns:a="http://schemas.openxmlformats.org/drawingml/2006/main" xmlns:r="http://schemas.openxmlformats.org/officeDocument/2006/relationships" xmlns:p="http://schemas.openxmlformats.org/presentationml/2006/main">
   <p:cSld>
     <p:spTree>
@@ -9008,39 +8390,10 @@
       </p:grpSpPr>
       <p:sp>
         <p:nvSpPr>
-          <p:cNvPr id="2" name="Заголовок 1">
-            <a:extLst>
-              <a:ext uri="{FF2B5EF4-FFF2-40B4-BE49-F238E27FC236}">
-                <a16:creationId xmlns:a16="http://schemas.microsoft.com/office/drawing/2014/main" id="{5FE2BBBB-CDF7-4B7E-8FD3-137EE8B78917}"/>
-              </a:ext>
-            </a:extLst>
-          </p:cNvPr>
-          <p:cNvSpPr>
-            <a:spLocks noGrp="1"/>
-          </p:cNvSpPr>
-          <p:nvPr>
-            <p:ph type="title"/>
-          </p:nvPr>
-        </p:nvSpPr>
-        <p:spPr/>
-        <p:txBody>
-          <a:bodyPr/>
-          <a:lstStyle/>
-          <a:p>
-            <a:pPr algn="ctr"/>
-            <a:r>
-              <a:rPr lang="ru-RU" dirty="0"/>
-              <a:t>Внешний вид Игры</a:t>
-            </a:r>
-          </a:p>
-        </p:txBody>
-      </p:sp>
-      <p:sp>
-        <p:nvSpPr>
           <p:cNvPr id="3" name="Объект 2">
             <a:extLst>
               <a:ext uri="{FF2B5EF4-FFF2-40B4-BE49-F238E27FC236}">
-                <a16:creationId xmlns:a16="http://schemas.microsoft.com/office/drawing/2014/main" id="{53D88717-AC8E-4390-B801-4AA36AA26624}"/>
+                <a16:creationId xmlns:a16="http://schemas.microsoft.com/office/drawing/2014/main" id="{592DB4D9-31D3-459D-B0DB-6F9F48A9C15E}"/>
               </a:ext>
             </a:extLst>
           </p:cNvPr>
@@ -9051,66 +8404,66 @@
             <p:ph idx="1"/>
           </p:nvPr>
         </p:nvSpPr>
-        <p:spPr/>
+        <p:spPr>
+          <a:xfrm>
+            <a:off x="460972" y="2405723"/>
+            <a:ext cx="10495926" cy="4023360"/>
+          </a:xfrm>
+        </p:spPr>
         <p:txBody>
-          <a:bodyPr/>
+          <a:bodyPr>
+            <a:normAutofit/>
+          </a:bodyPr>
           <a:lstStyle/>
           <a:p>
-            <a:endParaRPr lang="ru-RU"/>
+            <a:pPr indent="0" algn="ctr">
+              <a:lnSpc>
+                <a:spcPct val="110000"/>
+              </a:lnSpc>
+              <a:spcAft>
+                <a:spcPts val="800"/>
+              </a:spcAft>
+              <a:buNone/>
+            </a:pPr>
+            <a:r>
+              <a:rPr lang="ru-RU" sz="5400" dirty="0">
+                <a:effectLst/>
+                <a:latin typeface="Arial" panose="020B0604020202020204" pitchFamily="34" charset="0"/>
+                <a:ea typeface="Calibri" panose="020F0502020204030204" pitchFamily="34" charset="0"/>
+                <a:cs typeface="Arial" panose="020B0604020202020204" pitchFamily="34" charset="0"/>
+              </a:rPr>
+              <a:t>	</a:t>
+            </a:r>
+            <a:r>
+              <a:rPr lang="ru-RU" sz="5100" dirty="0">
+                <a:ln w="0"/>
+                <a:solidFill>
+                  <a:schemeClr val="tx1"/>
+                </a:solidFill>
+                <a:effectLst>
+                  <a:outerShdw blurRad="38100" dist="19050" dir="2700000" algn="tl" rotWithShape="0">
+                    <a:schemeClr val="dk1">
+                      <a:alpha val="40000"/>
+                    </a:schemeClr>
+                  </a:outerShdw>
+                </a:effectLst>
+                <a:latin typeface="Arial" panose="020B0604020202020204" pitchFamily="34" charset="0"/>
+                <a:ea typeface="Calibri" panose="020F0502020204030204" pitchFamily="34" charset="0"/>
+                <a:cs typeface="Aharoni" panose="020B0604020202020204" pitchFamily="2" charset="-79"/>
+              </a:rPr>
+              <a:t>Спасибо за внимание!</a:t>
+            </a:r>
+            <a:endParaRPr lang="ru-RU" sz="5100" dirty="0">
+              <a:latin typeface="Arial" panose="020B0604020202020204" pitchFamily="34" charset="0"/>
+              <a:cs typeface="Aharoni" panose="020B0604020202020204" pitchFamily="2" charset="-79"/>
+            </a:endParaRPr>
           </a:p>
         </p:txBody>
       </p:sp>
-      <p:pic>
-        <p:nvPicPr>
-          <p:cNvPr id="4098" name="Picture 2">
-            <a:extLst>
-              <a:ext uri="{FF2B5EF4-FFF2-40B4-BE49-F238E27FC236}">
-                <a16:creationId xmlns:a16="http://schemas.microsoft.com/office/drawing/2014/main" id="{1D10B0A6-F5B7-4E72-9D98-3D8DCE726EA5}"/>
-              </a:ext>
-            </a:extLst>
-          </p:cNvPr>
-          <p:cNvPicPr>
-            <a:picLocks noChangeAspect="1" noChangeArrowheads="1"/>
-          </p:cNvPicPr>
-          <p:nvPr/>
-        </p:nvPicPr>
-        <p:blipFill>
-          <a:blip r:embed="rId2">
-            <a:extLst>
-              <a:ext uri="{28A0092B-C50C-407E-A947-70E740481C1C}">
-                <a14:useLocalDpi xmlns:a14="http://schemas.microsoft.com/office/drawing/2010/main" val="0"/>
-              </a:ext>
-            </a:extLst>
-          </a:blip>
-          <a:srcRect/>
-          <a:stretch>
-            <a:fillRect/>
-          </a:stretch>
-        </p:blipFill>
-        <p:spPr bwMode="auto">
-          <a:xfrm>
-            <a:off x="2874897" y="2286001"/>
-            <a:ext cx="6442205" cy="3626316"/>
-          </a:xfrm>
-          <a:prstGeom prst="rect">
-            <a:avLst/>
-          </a:prstGeom>
-          <a:noFill/>
-          <a:extLst>
-            <a:ext uri="{909E8E84-426E-40DD-AFC4-6F175D3DCCD1}">
-              <a14:hiddenFill xmlns:a14="http://schemas.microsoft.com/office/drawing/2010/main">
-                <a:solidFill>
-                  <a:srgbClr val="FFFFFF"/>
-                </a:solidFill>
-              </a14:hiddenFill>
-            </a:ext>
-          </a:extLst>
-        </p:spPr>
-      </p:pic>
     </p:spTree>
     <p:extLst>
       <p:ext uri="{BB962C8B-B14F-4D97-AF65-F5344CB8AC3E}">
-        <p14:creationId xmlns:p14="http://schemas.microsoft.com/office/powerpoint/2010/main" val="4185122730"/>
+        <p14:creationId xmlns:p14="http://schemas.microsoft.com/office/powerpoint/2010/main" val="384015414"/>
       </p:ext>
     </p:extLst>
   </p:cSld>
@@ -9132,7 +8485,510 @@
 </p:sld>
 </file>
 
-<file path=ppt/slides/slide7.xml><?xml version="1.0" encoding="utf-8"?>
+<file path=ppt/slides/slide2.xml><?xml version="1.0" encoding="utf-8"?>
+<p:sld xmlns:a="http://schemas.openxmlformats.org/drawingml/2006/main" xmlns:r="http://schemas.openxmlformats.org/officeDocument/2006/relationships" xmlns:p="http://schemas.openxmlformats.org/presentationml/2006/main">
+  <p:cSld>
+    <p:spTree>
+      <p:nvGrpSpPr>
+        <p:cNvPr id="1" name=""/>
+        <p:cNvGrpSpPr/>
+        <p:nvPr/>
+      </p:nvGrpSpPr>
+      <p:grpSpPr>
+        <a:xfrm>
+          <a:off x="0" y="0"/>
+          <a:ext cx="0" cy="0"/>
+          <a:chOff x="0" y="0"/>
+          <a:chExt cx="0" cy="0"/>
+        </a:xfrm>
+      </p:grpSpPr>
+      <p:sp>
+        <p:nvSpPr>
+          <p:cNvPr id="2" name="Заголовок 1"/>
+          <p:cNvSpPr>
+            <a:spLocks noGrp="1"/>
+          </p:cNvSpPr>
+          <p:nvPr>
+            <p:ph type="title"/>
+          </p:nvPr>
+        </p:nvSpPr>
+        <p:spPr/>
+        <p:txBody>
+          <a:bodyPr/>
+          <a:lstStyle/>
+          <a:p>
+            <a:pPr algn="ctr"/>
+            <a:r>
+              <a:rPr lang="ru-RU" dirty="0">
+                <a:solidFill>
+                  <a:schemeClr val="tx2"/>
+                </a:solidFill>
+                <a:cs typeface="Arial" panose="020B0604020202020204" pitchFamily="34" charset="0"/>
+              </a:rPr>
+              <a:t>Постановка цели и задач</a:t>
+            </a:r>
+          </a:p>
+        </p:txBody>
+      </p:sp>
+      <p:sp>
+        <p:nvSpPr>
+          <p:cNvPr id="3" name="Объект 2"/>
+          <p:cNvSpPr>
+            <a:spLocks noGrp="1"/>
+          </p:cNvSpPr>
+          <p:nvPr>
+            <p:ph idx="1"/>
+          </p:nvPr>
+        </p:nvSpPr>
+        <p:spPr>
+          <a:xfrm>
+            <a:off x="959048" y="1520528"/>
+            <a:ext cx="10273903" cy="5043213"/>
+          </a:xfrm>
+        </p:spPr>
+        <p:txBody>
+          <a:bodyPr>
+            <a:normAutofit fontScale="92500"/>
+          </a:bodyPr>
+          <a:lstStyle/>
+          <a:p>
+            <a:pPr indent="0" algn="just">
+              <a:lnSpc>
+                <a:spcPct val="150000"/>
+              </a:lnSpc>
+              <a:spcAft>
+                <a:spcPts val="800"/>
+              </a:spcAft>
+              <a:buNone/>
+              <a:tabLst>
+                <a:tab pos="788035" algn="l"/>
+              </a:tabLst>
+            </a:pPr>
+            <a:r>
+              <a:rPr lang="en-US" sz="2200" dirty="0">
+                <a:solidFill>
+                  <a:schemeClr val="tx2"/>
+                </a:solidFill>
+                <a:latin typeface="Arial" panose="020B0604020202020204" pitchFamily="34" charset="0"/>
+                <a:cs typeface="Arial" panose="020B0604020202020204" pitchFamily="34" charset="0"/>
+              </a:rPr>
+              <a:t>	</a:t>
+            </a:r>
+            <a:r>
+              <a:rPr lang="ru-RU" sz="2200" dirty="0">
+                <a:solidFill>
+                  <a:schemeClr val="tx2"/>
+                </a:solidFill>
+                <a:latin typeface="Arial" panose="020B0604020202020204" pitchFamily="34" charset="0"/>
+                <a:cs typeface="Arial" panose="020B0604020202020204" pitchFamily="34" charset="0"/>
+              </a:rPr>
+              <a:t>Цель проекта: Разработка проекта по созданию компьютерной  игры в жанре </a:t>
+            </a:r>
+            <a:r>
+              <a:rPr lang="en-US" sz="2200" dirty="0" err="1">
+                <a:solidFill>
+                  <a:schemeClr val="tx2"/>
+                </a:solidFill>
+                <a:latin typeface="Arial" panose="020B0604020202020204" pitchFamily="34" charset="0"/>
+                <a:cs typeface="Arial" panose="020B0604020202020204" pitchFamily="34" charset="0"/>
+              </a:rPr>
+              <a:t>RogueLike</a:t>
+            </a:r>
+            <a:r>
+              <a:rPr lang="ru-RU" sz="2200" dirty="0">
+                <a:solidFill>
+                  <a:schemeClr val="tx2"/>
+                </a:solidFill>
+                <a:latin typeface="Arial" panose="020B0604020202020204" pitchFamily="34" charset="0"/>
+                <a:cs typeface="Arial" panose="020B0604020202020204" pitchFamily="34" charset="0"/>
+              </a:rPr>
+              <a:t>.</a:t>
+            </a:r>
+          </a:p>
+          <a:p>
+            <a:pPr marL="0" indent="0">
+              <a:lnSpc>
+                <a:spcPct val="100000"/>
+              </a:lnSpc>
+              <a:buNone/>
+            </a:pPr>
+            <a:r>
+              <a:rPr lang="ru-RU" sz="2200" dirty="0">
+                <a:solidFill>
+                  <a:schemeClr val="tx2"/>
+                </a:solidFill>
+                <a:latin typeface="Arial" panose="020B0604020202020204" pitchFamily="34" charset="0"/>
+                <a:cs typeface="Arial" panose="020B0604020202020204" pitchFamily="34" charset="0"/>
+              </a:rPr>
+              <a:t>Задачи:</a:t>
+            </a:r>
+          </a:p>
+          <a:p>
+            <a:pPr marL="180340" indent="0" algn="just">
+              <a:spcAft>
+                <a:spcPts val="800"/>
+              </a:spcAft>
+              <a:buNone/>
+            </a:pPr>
+            <a:r>
+              <a:rPr lang="en-US" sz="1600" dirty="0">
+                <a:solidFill>
+                  <a:srgbClr val="000000"/>
+                </a:solidFill>
+                <a:effectLst/>
+                <a:latin typeface="Arial" panose="020B0604020202020204" pitchFamily="34" charset="0"/>
+                <a:ea typeface="Times New Roman" panose="02020603050405020304" pitchFamily="18" charset="0"/>
+                <a:cs typeface="Arial" panose="020B0604020202020204" pitchFamily="34" charset="0"/>
+              </a:rPr>
+              <a:t>	</a:t>
+            </a:r>
+            <a:r>
+              <a:rPr lang="ru-RU" sz="1600" dirty="0">
+                <a:solidFill>
+                  <a:srgbClr val="000000"/>
+                </a:solidFill>
+                <a:effectLst/>
+                <a:latin typeface="Arial" panose="020B0604020202020204" pitchFamily="34" charset="0"/>
+                <a:ea typeface="Times New Roman" panose="02020603050405020304" pitchFamily="18" charset="0"/>
+                <a:cs typeface="Arial" panose="020B0604020202020204" pitchFamily="34" charset="0"/>
+              </a:rPr>
+              <a:t>-исследовать предметную область;</a:t>
+            </a:r>
+            <a:endParaRPr lang="ru-RU" sz="1600" dirty="0">
+              <a:effectLst/>
+              <a:latin typeface="Arial" panose="020B0604020202020204" pitchFamily="34" charset="0"/>
+              <a:ea typeface="Calibri" panose="020F0502020204030204" pitchFamily="34" charset="0"/>
+              <a:cs typeface="Arial" panose="020B0604020202020204" pitchFamily="34" charset="0"/>
+            </a:endParaRPr>
+          </a:p>
+          <a:p>
+            <a:pPr marL="180340" indent="0" algn="just">
+              <a:spcAft>
+                <a:spcPts val="800"/>
+              </a:spcAft>
+              <a:buNone/>
+            </a:pPr>
+            <a:r>
+              <a:rPr lang="en-US" sz="1600" dirty="0">
+                <a:solidFill>
+                  <a:srgbClr val="000000"/>
+                </a:solidFill>
+                <a:effectLst/>
+                <a:latin typeface="Arial" panose="020B0604020202020204" pitchFamily="34" charset="0"/>
+                <a:ea typeface="Times New Roman" panose="02020603050405020304" pitchFamily="18" charset="0"/>
+                <a:cs typeface="Arial" panose="020B0604020202020204" pitchFamily="34" charset="0"/>
+              </a:rPr>
+              <a:t>	</a:t>
+            </a:r>
+            <a:r>
+              <a:rPr lang="ru-RU" sz="1600" dirty="0">
+                <a:solidFill>
+                  <a:srgbClr val="000000"/>
+                </a:solidFill>
+                <a:effectLst/>
+                <a:latin typeface="Arial" panose="020B0604020202020204" pitchFamily="34" charset="0"/>
+                <a:ea typeface="Times New Roman" panose="02020603050405020304" pitchFamily="18" charset="0"/>
+                <a:cs typeface="Arial" panose="020B0604020202020204" pitchFamily="34" charset="0"/>
+              </a:rPr>
+              <a:t>-построить информационно-логическую модель с использованием СУБД;</a:t>
+            </a:r>
+            <a:endParaRPr lang="ru-RU" sz="1600" dirty="0">
+              <a:effectLst/>
+              <a:latin typeface="Arial" panose="020B0604020202020204" pitchFamily="34" charset="0"/>
+              <a:ea typeface="Calibri" panose="020F0502020204030204" pitchFamily="34" charset="0"/>
+              <a:cs typeface="Arial" panose="020B0604020202020204" pitchFamily="34" charset="0"/>
+            </a:endParaRPr>
+          </a:p>
+          <a:p>
+            <a:pPr marL="180340" indent="0" algn="just">
+              <a:spcAft>
+                <a:spcPts val="800"/>
+              </a:spcAft>
+              <a:buNone/>
+            </a:pPr>
+            <a:r>
+              <a:rPr lang="en-US" sz="1600" dirty="0">
+                <a:solidFill>
+                  <a:srgbClr val="000000"/>
+                </a:solidFill>
+                <a:effectLst/>
+                <a:latin typeface="Arial" panose="020B0604020202020204" pitchFamily="34" charset="0"/>
+                <a:ea typeface="Times New Roman" panose="02020603050405020304" pitchFamily="18" charset="0"/>
+                <a:cs typeface="Arial" panose="020B0604020202020204" pitchFamily="34" charset="0"/>
+              </a:rPr>
+              <a:t>	</a:t>
+            </a:r>
+            <a:r>
+              <a:rPr lang="ru-RU" sz="1600" dirty="0">
+                <a:solidFill>
+                  <a:srgbClr val="000000"/>
+                </a:solidFill>
+                <a:effectLst/>
+                <a:latin typeface="Arial" panose="020B0604020202020204" pitchFamily="34" charset="0"/>
+                <a:ea typeface="Times New Roman" panose="02020603050405020304" pitchFamily="18" charset="0"/>
+                <a:cs typeface="Arial" panose="020B0604020202020204" pitchFamily="34" charset="0"/>
+              </a:rPr>
+              <a:t>-создать пользовательский интерфейс;</a:t>
+            </a:r>
+            <a:endParaRPr lang="ru-RU" sz="1600" dirty="0">
+              <a:effectLst/>
+              <a:latin typeface="Arial" panose="020B0604020202020204" pitchFamily="34" charset="0"/>
+              <a:ea typeface="Calibri" panose="020F0502020204030204" pitchFamily="34" charset="0"/>
+              <a:cs typeface="Arial" panose="020B0604020202020204" pitchFamily="34" charset="0"/>
+            </a:endParaRPr>
+          </a:p>
+          <a:p>
+            <a:pPr marL="180340" indent="0" algn="just">
+              <a:spcAft>
+                <a:spcPts val="800"/>
+              </a:spcAft>
+              <a:buNone/>
+            </a:pPr>
+            <a:r>
+              <a:rPr lang="en-US" sz="1600" dirty="0">
+                <a:solidFill>
+                  <a:srgbClr val="000000"/>
+                </a:solidFill>
+                <a:effectLst/>
+                <a:latin typeface="Arial" panose="020B0604020202020204" pitchFamily="34" charset="0"/>
+                <a:ea typeface="Times New Roman" panose="02020603050405020304" pitchFamily="18" charset="0"/>
+                <a:cs typeface="Arial" panose="020B0604020202020204" pitchFamily="34" charset="0"/>
+              </a:rPr>
+              <a:t>	</a:t>
+            </a:r>
+            <a:r>
+              <a:rPr lang="ru-RU" sz="1600" dirty="0">
+                <a:solidFill>
+                  <a:srgbClr val="000000"/>
+                </a:solidFill>
+                <a:effectLst/>
+                <a:latin typeface="Arial" panose="020B0604020202020204" pitchFamily="34" charset="0"/>
+                <a:ea typeface="Times New Roman" panose="02020603050405020304" pitchFamily="18" charset="0"/>
+                <a:cs typeface="Arial" panose="020B0604020202020204" pitchFamily="34" charset="0"/>
+              </a:rPr>
+              <a:t>-разработать формы для внесения информации;</a:t>
+            </a:r>
+            <a:endParaRPr lang="ru-RU" sz="1600" dirty="0">
+              <a:effectLst/>
+              <a:latin typeface="Arial" panose="020B0604020202020204" pitchFamily="34" charset="0"/>
+              <a:ea typeface="Calibri" panose="020F0502020204030204" pitchFamily="34" charset="0"/>
+              <a:cs typeface="Arial" panose="020B0604020202020204" pitchFamily="34" charset="0"/>
+            </a:endParaRPr>
+          </a:p>
+          <a:p>
+            <a:pPr marL="180340" indent="0" algn="just">
+              <a:spcAft>
+                <a:spcPts val="800"/>
+              </a:spcAft>
+              <a:buNone/>
+            </a:pPr>
+            <a:r>
+              <a:rPr lang="en-US" sz="1600" dirty="0">
+                <a:solidFill>
+                  <a:srgbClr val="000000"/>
+                </a:solidFill>
+                <a:effectLst/>
+                <a:latin typeface="Arial" panose="020B0604020202020204" pitchFamily="34" charset="0"/>
+                <a:ea typeface="Times New Roman" panose="02020603050405020304" pitchFamily="18" charset="0"/>
+                <a:cs typeface="Arial" panose="020B0604020202020204" pitchFamily="34" charset="0"/>
+              </a:rPr>
+              <a:t>	</a:t>
+            </a:r>
+            <a:r>
+              <a:rPr lang="ru-RU" sz="1600" dirty="0">
+                <a:solidFill>
+                  <a:srgbClr val="000000"/>
+                </a:solidFill>
+                <a:effectLst/>
+                <a:latin typeface="Arial" panose="020B0604020202020204" pitchFamily="34" charset="0"/>
+                <a:ea typeface="Times New Roman" panose="02020603050405020304" pitchFamily="18" charset="0"/>
+                <a:cs typeface="Arial" panose="020B0604020202020204" pitchFamily="34" charset="0"/>
+              </a:rPr>
+              <a:t>-разработать визуальный стиль игры</a:t>
+            </a:r>
+            <a:r>
+              <a:rPr lang="ru-RU" sz="1600" dirty="0">
+                <a:solidFill>
+                  <a:srgbClr val="000000"/>
+                </a:solidFill>
+                <a:latin typeface="Arial" panose="020B0604020202020204" pitchFamily="34" charset="0"/>
+                <a:ea typeface="Times New Roman" panose="02020603050405020304" pitchFamily="18" charset="0"/>
+                <a:cs typeface="Arial" panose="020B0604020202020204" pitchFamily="34" charset="0"/>
+              </a:rPr>
+              <a:t>;</a:t>
+            </a:r>
+            <a:endParaRPr lang="ru-RU" sz="1600" dirty="0">
+              <a:effectLst/>
+              <a:latin typeface="Arial" panose="020B0604020202020204" pitchFamily="34" charset="0"/>
+              <a:ea typeface="Calibri" panose="020F0502020204030204" pitchFamily="34" charset="0"/>
+              <a:cs typeface="Arial" panose="020B0604020202020204" pitchFamily="34" charset="0"/>
+            </a:endParaRPr>
+          </a:p>
+          <a:p>
+            <a:pPr marL="180340" indent="0" algn="just">
+              <a:spcAft>
+                <a:spcPts val="800"/>
+              </a:spcAft>
+              <a:buNone/>
+            </a:pPr>
+            <a:r>
+              <a:rPr lang="en-US" sz="1600" dirty="0">
+                <a:solidFill>
+                  <a:srgbClr val="000000"/>
+                </a:solidFill>
+                <a:effectLst/>
+                <a:latin typeface="Arial" panose="020B0604020202020204" pitchFamily="34" charset="0"/>
+                <a:ea typeface="Times New Roman" panose="02020603050405020304" pitchFamily="18" charset="0"/>
+                <a:cs typeface="Arial" panose="020B0604020202020204" pitchFamily="34" charset="0"/>
+              </a:rPr>
+              <a:t>	</a:t>
+            </a:r>
+            <a:r>
+              <a:rPr lang="ru-RU" sz="1600" dirty="0">
+                <a:solidFill>
+                  <a:srgbClr val="000000"/>
+                </a:solidFill>
+                <a:effectLst/>
+                <a:latin typeface="Arial" panose="020B0604020202020204" pitchFamily="34" charset="0"/>
+                <a:ea typeface="Times New Roman" panose="02020603050405020304" pitchFamily="18" charset="0"/>
+                <a:cs typeface="Arial" panose="020B0604020202020204" pitchFamily="34" charset="0"/>
+              </a:rPr>
+              <a:t>-разработать методы управления игровым персонажем;</a:t>
+            </a:r>
+            <a:endParaRPr lang="ru-RU" sz="1600" dirty="0">
+              <a:effectLst/>
+              <a:latin typeface="Arial" panose="020B0604020202020204" pitchFamily="34" charset="0"/>
+              <a:ea typeface="Calibri" panose="020F0502020204030204" pitchFamily="34" charset="0"/>
+              <a:cs typeface="Arial" panose="020B0604020202020204" pitchFamily="34" charset="0"/>
+            </a:endParaRPr>
+          </a:p>
+          <a:p>
+            <a:pPr marL="180340" indent="0" algn="just">
+              <a:spcAft>
+                <a:spcPts val="800"/>
+              </a:spcAft>
+              <a:buNone/>
+            </a:pPr>
+            <a:r>
+              <a:rPr lang="en-US" sz="1600" dirty="0">
+                <a:solidFill>
+                  <a:srgbClr val="000000"/>
+                </a:solidFill>
+                <a:effectLst/>
+                <a:latin typeface="Arial" panose="020B0604020202020204" pitchFamily="34" charset="0"/>
+                <a:ea typeface="Times New Roman" panose="02020603050405020304" pitchFamily="18" charset="0"/>
+                <a:cs typeface="Arial" panose="020B0604020202020204" pitchFamily="34" charset="0"/>
+              </a:rPr>
+              <a:t>	</a:t>
+            </a:r>
+            <a:r>
+              <a:rPr lang="ru-RU" sz="1600" dirty="0">
+                <a:solidFill>
+                  <a:srgbClr val="000000"/>
+                </a:solidFill>
+                <a:effectLst/>
+                <a:latin typeface="Arial" panose="020B0604020202020204" pitchFamily="34" charset="0"/>
+                <a:ea typeface="Times New Roman" panose="02020603050405020304" pitchFamily="18" charset="0"/>
+                <a:cs typeface="Arial" panose="020B0604020202020204" pitchFamily="34" charset="0"/>
+              </a:rPr>
+              <a:t>-</a:t>
+            </a:r>
+            <a:r>
+              <a:rPr lang="ru-RU" sz="1600" dirty="0">
+                <a:solidFill>
+                  <a:srgbClr val="000000"/>
+                </a:solidFill>
+                <a:latin typeface="Arial" panose="020B0604020202020204" pitchFamily="34" charset="0"/>
+                <a:ea typeface="Times New Roman" panose="02020603050405020304" pitchFamily="18" charset="0"/>
+                <a:cs typeface="Arial" panose="020B0604020202020204" pitchFamily="34" charset="0"/>
+              </a:rPr>
+              <a:t>Разработать и </a:t>
+            </a:r>
+            <a:r>
+              <a:rPr lang="ru-RU" sz="1600" dirty="0">
+                <a:solidFill>
+                  <a:srgbClr val="000000"/>
+                </a:solidFill>
+                <a:effectLst/>
+                <a:latin typeface="Arial" panose="020B0604020202020204" pitchFamily="34" charset="0"/>
+                <a:ea typeface="Times New Roman" panose="02020603050405020304" pitchFamily="18" charset="0"/>
+                <a:cs typeface="Arial" panose="020B0604020202020204" pitchFamily="34" charset="0"/>
+              </a:rPr>
+              <a:t>протестировать игру;</a:t>
+            </a:r>
+            <a:endParaRPr lang="ru-RU" sz="1600" dirty="0">
+              <a:effectLst/>
+              <a:latin typeface="Arial" panose="020B0604020202020204" pitchFamily="34" charset="0"/>
+              <a:ea typeface="Calibri" panose="020F0502020204030204" pitchFamily="34" charset="0"/>
+              <a:cs typeface="Arial" panose="020B0604020202020204" pitchFamily="34" charset="0"/>
+            </a:endParaRPr>
+          </a:p>
+          <a:p>
+            <a:pPr marL="180340" indent="0" algn="just">
+              <a:spcAft>
+                <a:spcPts val="800"/>
+              </a:spcAft>
+              <a:buNone/>
+            </a:pPr>
+            <a:r>
+              <a:rPr lang="en-US" sz="1600" dirty="0">
+                <a:solidFill>
+                  <a:srgbClr val="000000"/>
+                </a:solidFill>
+                <a:effectLst/>
+                <a:latin typeface="Arial" panose="020B0604020202020204" pitchFamily="34" charset="0"/>
+                <a:ea typeface="Times New Roman" panose="02020603050405020304" pitchFamily="18" charset="0"/>
+                <a:cs typeface="Arial" panose="020B0604020202020204" pitchFamily="34" charset="0"/>
+              </a:rPr>
+              <a:t>	</a:t>
+            </a:r>
+            <a:r>
+              <a:rPr lang="ru-RU" sz="1600" dirty="0">
+                <a:solidFill>
+                  <a:srgbClr val="000000"/>
+                </a:solidFill>
+                <a:effectLst/>
+                <a:latin typeface="Arial" panose="020B0604020202020204" pitchFamily="34" charset="0"/>
+                <a:ea typeface="Times New Roman" panose="02020603050405020304" pitchFamily="18" charset="0"/>
+                <a:cs typeface="Arial" panose="020B0604020202020204" pitchFamily="34" charset="0"/>
+              </a:rPr>
+              <a:t>-разработать справочники, документы, отчеты и другие объекты конфигурации для данного проекта;</a:t>
+            </a:r>
+            <a:endParaRPr lang="ru-RU" sz="1600" dirty="0">
+              <a:effectLst/>
+              <a:latin typeface="Arial" panose="020B0604020202020204" pitchFamily="34" charset="0"/>
+              <a:ea typeface="Calibri" panose="020F0502020204030204" pitchFamily="34" charset="0"/>
+              <a:cs typeface="Arial" panose="020B0604020202020204" pitchFamily="34" charset="0"/>
+            </a:endParaRPr>
+          </a:p>
+        </p:txBody>
+      </p:sp>
+    </p:spTree>
+    <p:extLst>
+      <p:ext uri="{BB962C8B-B14F-4D97-AF65-F5344CB8AC3E}">
+        <p14:creationId xmlns:p14="http://schemas.microsoft.com/office/powerpoint/2010/main" val="3258136964"/>
+      </p:ext>
+    </p:extLst>
+  </p:cSld>
+  <p:clrMapOvr>
+    <a:masterClrMapping/>
+  </p:clrMapOvr>
+  <mc:AlternateContent xmlns:mc="http://schemas.openxmlformats.org/markup-compatibility/2006" xmlns:p14="http://schemas.microsoft.com/office/powerpoint/2010/main">
+    <mc:Choice Requires="p14">
+      <p:transition spd="med" p14:dur="700">
+        <p:fade/>
+      </p:transition>
+    </mc:Choice>
+    <mc:Fallback xmlns="">
+      <p:transition spd="med">
+        <p:fade/>
+      </p:transition>
+    </mc:Fallback>
+  </mc:AlternateContent>
+</p:sld>
+</file>
+
+<file path=ppt/slides/slide3.xml><?xml version="1.0" encoding="utf-8"?>
 <p:sld xmlns:a="http://schemas.openxmlformats.org/drawingml/2006/main" xmlns:r="http://schemas.openxmlformats.org/officeDocument/2006/relationships" xmlns:p="http://schemas.openxmlformats.org/presentationml/2006/main">
   <p:cSld>
     <p:spTree>
@@ -9731,6 +9587,677 @@
 </p:sld>
 </file>
 
+<file path=ppt/slides/slide4.xml><?xml version="1.0" encoding="utf-8"?>
+<p:sld xmlns:a="http://schemas.openxmlformats.org/drawingml/2006/main" xmlns:r="http://schemas.openxmlformats.org/officeDocument/2006/relationships" xmlns:p="http://schemas.openxmlformats.org/presentationml/2006/main">
+  <p:cSld>
+    <p:spTree>
+      <p:nvGrpSpPr>
+        <p:cNvPr id="1" name=""/>
+        <p:cNvGrpSpPr/>
+        <p:nvPr/>
+      </p:nvGrpSpPr>
+      <p:grpSpPr>
+        <a:xfrm>
+          <a:off x="0" y="0"/>
+          <a:ext cx="0" cy="0"/>
+          <a:chOff x="0" y="0"/>
+          <a:chExt cx="0" cy="0"/>
+        </a:xfrm>
+      </p:grpSpPr>
+      <p:sp>
+        <p:nvSpPr>
+          <p:cNvPr id="2" name="Заголовок 1">
+            <a:extLst>
+              <a:ext uri="{FF2B5EF4-FFF2-40B4-BE49-F238E27FC236}">
+                <a16:creationId xmlns:a16="http://schemas.microsoft.com/office/drawing/2014/main" id="{2DF31061-4C51-4F63-93E9-303DDC95CDC2}"/>
+              </a:ext>
+            </a:extLst>
+          </p:cNvPr>
+          <p:cNvSpPr>
+            <a:spLocks noGrp="1"/>
+          </p:cNvSpPr>
+          <p:nvPr>
+            <p:ph type="title"/>
+          </p:nvPr>
+        </p:nvSpPr>
+        <p:spPr/>
+        <p:txBody>
+          <a:bodyPr/>
+          <a:lstStyle/>
+          <a:p>
+            <a:pPr algn="ctr"/>
+            <a:r>
+              <a:rPr lang="ru-RU" dirty="0"/>
+              <a:t>Архитектура игры</a:t>
+            </a:r>
+          </a:p>
+        </p:txBody>
+      </p:sp>
+      <p:sp>
+        <p:nvSpPr>
+          <p:cNvPr id="3" name="Объект 2">
+            <a:extLst>
+              <a:ext uri="{FF2B5EF4-FFF2-40B4-BE49-F238E27FC236}">
+                <a16:creationId xmlns:a16="http://schemas.microsoft.com/office/drawing/2014/main" id="{FD377A6B-C4BE-4394-9412-C58D00B7ACC5}"/>
+              </a:ext>
+            </a:extLst>
+          </p:cNvPr>
+          <p:cNvSpPr>
+            <a:spLocks noGrp="1"/>
+          </p:cNvSpPr>
+          <p:nvPr>
+            <p:ph idx="1"/>
+          </p:nvPr>
+        </p:nvSpPr>
+        <p:spPr>
+          <a:xfrm>
+            <a:off x="1251678" y="1874517"/>
+            <a:ext cx="10178322" cy="3593591"/>
+          </a:xfrm>
+        </p:spPr>
+        <p:txBody>
+          <a:bodyPr/>
+          <a:lstStyle/>
+          <a:p>
+            <a:r>
+              <a:rPr lang="ru-RU" dirty="0"/>
+              <a:t>Архитектура игры была выбрана клиент сервер. Это позволит более безопасно хранить данные от других пользователей.</a:t>
+            </a:r>
+          </a:p>
+        </p:txBody>
+      </p:sp>
+      <p:pic>
+        <p:nvPicPr>
+          <p:cNvPr id="4" name="Рисунок 3">
+            <a:extLst>
+              <a:ext uri="{FF2B5EF4-FFF2-40B4-BE49-F238E27FC236}">
+                <a16:creationId xmlns:a16="http://schemas.microsoft.com/office/drawing/2014/main" id="{29E4A3A9-9B1C-405D-B44E-CD24FCAAE35D}"/>
+              </a:ext>
+            </a:extLst>
+          </p:cNvPr>
+          <p:cNvPicPr>
+            <a:picLocks noChangeAspect="1"/>
+          </p:cNvPicPr>
+          <p:nvPr/>
+        </p:nvPicPr>
+        <p:blipFill>
+          <a:blip r:embed="rId2">
+            <a:extLst>
+              <a:ext uri="{28A0092B-C50C-407E-A947-70E740481C1C}">
+                <a14:useLocalDpi xmlns:a14="http://schemas.microsoft.com/office/drawing/2010/main" val="0"/>
+              </a:ext>
+            </a:extLst>
+          </a:blip>
+          <a:srcRect/>
+          <a:stretch>
+            <a:fillRect/>
+          </a:stretch>
+        </p:blipFill>
+        <p:spPr bwMode="auto">
+          <a:xfrm>
+            <a:off x="2727372" y="2903728"/>
+            <a:ext cx="6737256" cy="2975864"/>
+          </a:xfrm>
+          <a:prstGeom prst="rect">
+            <a:avLst/>
+          </a:prstGeom>
+          <a:noFill/>
+          <a:ln>
+            <a:noFill/>
+          </a:ln>
+        </p:spPr>
+      </p:pic>
+    </p:spTree>
+    <p:extLst>
+      <p:ext uri="{BB962C8B-B14F-4D97-AF65-F5344CB8AC3E}">
+        <p14:creationId xmlns:p14="http://schemas.microsoft.com/office/powerpoint/2010/main" val="3006241120"/>
+      </p:ext>
+    </p:extLst>
+  </p:cSld>
+  <p:clrMapOvr>
+    <a:masterClrMapping/>
+  </p:clrMapOvr>
+  <mc:AlternateContent xmlns:mc="http://schemas.openxmlformats.org/markup-compatibility/2006" xmlns:p14="http://schemas.microsoft.com/office/powerpoint/2010/main">
+    <mc:Choice Requires="p14">
+      <p:transition spd="med" p14:dur="700">
+        <p:fade/>
+      </p:transition>
+    </mc:Choice>
+    <mc:Fallback xmlns="">
+      <p:transition spd="med">
+        <p:fade/>
+      </p:transition>
+    </mc:Fallback>
+  </mc:AlternateContent>
+</p:sld>
+</file>
+
+<file path=ppt/slides/slide5.xml><?xml version="1.0" encoding="utf-8"?>
+<p:sld xmlns:a="http://schemas.openxmlformats.org/drawingml/2006/main" xmlns:r="http://schemas.openxmlformats.org/officeDocument/2006/relationships" xmlns:p="http://schemas.openxmlformats.org/presentationml/2006/main">
+  <p:cSld>
+    <p:spTree>
+      <p:nvGrpSpPr>
+        <p:cNvPr id="1" name=""/>
+        <p:cNvGrpSpPr/>
+        <p:nvPr/>
+      </p:nvGrpSpPr>
+      <p:grpSpPr>
+        <a:xfrm>
+          <a:off x="0" y="0"/>
+          <a:ext cx="0" cy="0"/>
+          <a:chOff x="0" y="0"/>
+          <a:chExt cx="0" cy="0"/>
+        </a:xfrm>
+      </p:grpSpPr>
+      <p:sp>
+        <p:nvSpPr>
+          <p:cNvPr id="2" name="Заголовок 1">
+            <a:extLst>
+              <a:ext uri="{FF2B5EF4-FFF2-40B4-BE49-F238E27FC236}">
+                <a16:creationId xmlns:a16="http://schemas.microsoft.com/office/drawing/2014/main" id="{6C9B5A61-33A2-4B5F-8101-AC0C06846411}"/>
+              </a:ext>
+            </a:extLst>
+          </p:cNvPr>
+          <p:cNvSpPr>
+            <a:spLocks noGrp="1"/>
+          </p:cNvSpPr>
+          <p:nvPr>
+            <p:ph type="title"/>
+          </p:nvPr>
+        </p:nvSpPr>
+        <p:spPr/>
+        <p:txBody>
+          <a:bodyPr/>
+          <a:lstStyle/>
+          <a:p>
+            <a:pPr algn="ctr"/>
+            <a:r>
+              <a:rPr lang="ru-RU" dirty="0"/>
+              <a:t>Подключение Базы Данных</a:t>
+            </a:r>
+          </a:p>
+        </p:txBody>
+      </p:sp>
+      <p:sp>
+        <p:nvSpPr>
+          <p:cNvPr id="3" name="Объект 2">
+            <a:extLst>
+              <a:ext uri="{FF2B5EF4-FFF2-40B4-BE49-F238E27FC236}">
+                <a16:creationId xmlns:a16="http://schemas.microsoft.com/office/drawing/2014/main" id="{42A89827-91DA-4048-B47B-910EAF96A70F}"/>
+              </a:ext>
+            </a:extLst>
+          </p:cNvPr>
+          <p:cNvSpPr>
+            <a:spLocks noGrp="1"/>
+          </p:cNvSpPr>
+          <p:nvPr>
+            <p:ph idx="1"/>
+          </p:nvPr>
+        </p:nvSpPr>
+        <p:spPr>
+          <a:xfrm>
+            <a:off x="1251678" y="1400858"/>
+            <a:ext cx="10178322" cy="3593591"/>
+          </a:xfrm>
+        </p:spPr>
+        <p:txBody>
+          <a:bodyPr/>
+          <a:lstStyle/>
+          <a:p>
+            <a:pPr algn="ctr"/>
+            <a:r>
+              <a:rPr lang="ru-RU" dirty="0"/>
+              <a:t>Подключение базы данных реализовано через </a:t>
+            </a:r>
+            <a:r>
+              <a:rPr lang="en-US" dirty="0" err="1"/>
+              <a:t>WWWForm</a:t>
+            </a:r>
+            <a:r>
+              <a:rPr lang="en-US" dirty="0"/>
+              <a:t> </a:t>
+            </a:r>
+            <a:r>
+              <a:rPr lang="ru-RU" dirty="0"/>
+              <a:t>и </a:t>
+            </a:r>
+            <a:r>
+              <a:rPr lang="en-US" dirty="0"/>
+              <a:t>WWW.</a:t>
+            </a:r>
+            <a:endParaRPr lang="ru-RU" dirty="0"/>
+          </a:p>
+        </p:txBody>
+      </p:sp>
+      <p:pic>
+        <p:nvPicPr>
+          <p:cNvPr id="1026" name="Picture 2">
+            <a:extLst>
+              <a:ext uri="{FF2B5EF4-FFF2-40B4-BE49-F238E27FC236}">
+                <a16:creationId xmlns:a16="http://schemas.microsoft.com/office/drawing/2014/main" id="{83F6BE33-E188-4A24-B167-8565D8556992}"/>
+              </a:ext>
+            </a:extLst>
+          </p:cNvPr>
+          <p:cNvPicPr>
+            <a:picLocks noChangeAspect="1" noChangeArrowheads="1"/>
+          </p:cNvPicPr>
+          <p:nvPr/>
+        </p:nvPicPr>
+        <p:blipFill>
+          <a:blip r:embed="rId2">
+            <a:extLst>
+              <a:ext uri="{28A0092B-C50C-407E-A947-70E740481C1C}">
+                <a14:useLocalDpi xmlns:a14="http://schemas.microsoft.com/office/drawing/2010/main" val="0"/>
+              </a:ext>
+            </a:extLst>
+          </a:blip>
+          <a:srcRect/>
+          <a:stretch>
+            <a:fillRect/>
+          </a:stretch>
+        </p:blipFill>
+        <p:spPr bwMode="auto">
+          <a:xfrm>
+            <a:off x="3302660" y="2150323"/>
+            <a:ext cx="5819775" cy="771525"/>
+          </a:xfrm>
+          <a:prstGeom prst="rect">
+            <a:avLst/>
+          </a:prstGeom>
+          <a:noFill/>
+          <a:extLst>
+            <a:ext uri="{909E8E84-426E-40DD-AFC4-6F175D3DCCD1}">
+              <a14:hiddenFill xmlns:a14="http://schemas.microsoft.com/office/drawing/2010/main">
+                <a:solidFill>
+                  <a:srgbClr val="FFFFFF"/>
+                </a:solidFill>
+              </a14:hiddenFill>
+            </a:ext>
+          </a:extLst>
+        </p:spPr>
+      </p:pic>
+      <p:pic>
+        <p:nvPicPr>
+          <p:cNvPr id="1028" name="Picture 4">
+            <a:extLst>
+              <a:ext uri="{FF2B5EF4-FFF2-40B4-BE49-F238E27FC236}">
+                <a16:creationId xmlns:a16="http://schemas.microsoft.com/office/drawing/2014/main" id="{22BC5626-4318-453E-BBC9-2126592E2C6E}"/>
+              </a:ext>
+            </a:extLst>
+          </p:cNvPr>
+          <p:cNvPicPr>
+            <a:picLocks noChangeAspect="1" noChangeArrowheads="1"/>
+          </p:cNvPicPr>
+          <p:nvPr/>
+        </p:nvPicPr>
+        <p:blipFill>
+          <a:blip r:embed="rId3">
+            <a:extLst>
+              <a:ext uri="{28A0092B-C50C-407E-A947-70E740481C1C}">
+                <a14:useLocalDpi xmlns:a14="http://schemas.microsoft.com/office/drawing/2010/main" val="0"/>
+              </a:ext>
+            </a:extLst>
+          </a:blip>
+          <a:srcRect/>
+          <a:stretch>
+            <a:fillRect/>
+          </a:stretch>
+        </p:blipFill>
+        <p:spPr bwMode="auto">
+          <a:xfrm>
+            <a:off x="2588331" y="3197654"/>
+            <a:ext cx="2114752" cy="3277960"/>
+          </a:xfrm>
+          <a:prstGeom prst="rect">
+            <a:avLst/>
+          </a:prstGeom>
+          <a:noFill/>
+          <a:extLst>
+            <a:ext uri="{909E8E84-426E-40DD-AFC4-6F175D3DCCD1}">
+              <a14:hiddenFill xmlns:a14="http://schemas.microsoft.com/office/drawing/2010/main">
+                <a:solidFill>
+                  <a:srgbClr val="FFFFFF"/>
+                </a:solidFill>
+              </a14:hiddenFill>
+            </a:ext>
+          </a:extLst>
+        </p:spPr>
+      </p:pic>
+      <p:pic>
+        <p:nvPicPr>
+          <p:cNvPr id="1032" name="Picture 8">
+            <a:extLst>
+              <a:ext uri="{FF2B5EF4-FFF2-40B4-BE49-F238E27FC236}">
+                <a16:creationId xmlns:a16="http://schemas.microsoft.com/office/drawing/2014/main" id="{E70064E8-C3CE-4DD6-9772-C29680D79412}"/>
+              </a:ext>
+            </a:extLst>
+          </p:cNvPr>
+          <p:cNvPicPr>
+            <a:picLocks noChangeAspect="1" noChangeArrowheads="1"/>
+          </p:cNvPicPr>
+          <p:nvPr/>
+        </p:nvPicPr>
+        <p:blipFill>
+          <a:blip r:embed="rId4">
+            <a:extLst>
+              <a:ext uri="{28A0092B-C50C-407E-A947-70E740481C1C}">
+                <a14:useLocalDpi xmlns:a14="http://schemas.microsoft.com/office/drawing/2010/main" val="0"/>
+              </a:ext>
+            </a:extLst>
+          </a:blip>
+          <a:srcRect/>
+          <a:stretch>
+            <a:fillRect/>
+          </a:stretch>
+        </p:blipFill>
+        <p:spPr bwMode="auto">
+          <a:xfrm>
+            <a:off x="5911481" y="3124336"/>
+            <a:ext cx="4702045" cy="3330078"/>
+          </a:xfrm>
+          <a:prstGeom prst="rect">
+            <a:avLst/>
+          </a:prstGeom>
+          <a:noFill/>
+          <a:extLst>
+            <a:ext uri="{909E8E84-426E-40DD-AFC4-6F175D3DCCD1}">
+              <a14:hiddenFill xmlns:a14="http://schemas.microsoft.com/office/drawing/2010/main">
+                <a:solidFill>
+                  <a:srgbClr val="FFFFFF"/>
+                </a:solidFill>
+              </a14:hiddenFill>
+            </a:ext>
+          </a:extLst>
+        </p:spPr>
+      </p:pic>
+    </p:spTree>
+    <p:extLst>
+      <p:ext uri="{BB962C8B-B14F-4D97-AF65-F5344CB8AC3E}">
+        <p14:creationId xmlns:p14="http://schemas.microsoft.com/office/powerpoint/2010/main" val="639286524"/>
+      </p:ext>
+    </p:extLst>
+  </p:cSld>
+  <p:clrMapOvr>
+    <a:masterClrMapping/>
+  </p:clrMapOvr>
+  <mc:AlternateContent xmlns:mc="http://schemas.openxmlformats.org/markup-compatibility/2006" xmlns:p14="http://schemas.microsoft.com/office/powerpoint/2010/main">
+    <mc:Choice Requires="p14">
+      <p:transition spd="med" p14:dur="700">
+        <p:fade/>
+      </p:transition>
+    </mc:Choice>
+    <mc:Fallback xmlns="">
+      <p:transition spd="med">
+        <p:fade/>
+      </p:transition>
+    </mc:Fallback>
+  </mc:AlternateContent>
+</p:sld>
+</file>
+
+<file path=ppt/slides/slide6.xml><?xml version="1.0" encoding="utf-8"?>
+<p:sld xmlns:a="http://schemas.openxmlformats.org/drawingml/2006/main" xmlns:r="http://schemas.openxmlformats.org/officeDocument/2006/relationships" xmlns:p="http://schemas.openxmlformats.org/presentationml/2006/main">
+  <p:cSld>
+    <p:spTree>
+      <p:nvGrpSpPr>
+        <p:cNvPr id="1" name=""/>
+        <p:cNvGrpSpPr/>
+        <p:nvPr/>
+      </p:nvGrpSpPr>
+      <p:grpSpPr>
+        <a:xfrm>
+          <a:off x="0" y="0"/>
+          <a:ext cx="0" cy="0"/>
+          <a:chOff x="0" y="0"/>
+          <a:chExt cx="0" cy="0"/>
+        </a:xfrm>
+      </p:grpSpPr>
+      <p:sp>
+        <p:nvSpPr>
+          <p:cNvPr id="2" name="Заголовок 1">
+            <a:extLst>
+              <a:ext uri="{FF2B5EF4-FFF2-40B4-BE49-F238E27FC236}">
+                <a16:creationId xmlns:a16="http://schemas.microsoft.com/office/drawing/2014/main" id="{D94C7288-83DA-47B1-A03C-83E9EE9F948A}"/>
+              </a:ext>
+            </a:extLst>
+          </p:cNvPr>
+          <p:cNvSpPr>
+            <a:spLocks noGrp="1"/>
+          </p:cNvSpPr>
+          <p:nvPr>
+            <p:ph type="title"/>
+          </p:nvPr>
+        </p:nvSpPr>
+        <p:spPr/>
+        <p:txBody>
+          <a:bodyPr/>
+          <a:lstStyle/>
+          <a:p>
+            <a:pPr algn="ctr"/>
+            <a:r>
+              <a:rPr lang="ru-RU" dirty="0"/>
+              <a:t>Сайт игры</a:t>
+            </a:r>
+          </a:p>
+        </p:txBody>
+      </p:sp>
+      <p:sp>
+        <p:nvSpPr>
+          <p:cNvPr id="3" name="Объект 2">
+            <a:extLst>
+              <a:ext uri="{FF2B5EF4-FFF2-40B4-BE49-F238E27FC236}">
+                <a16:creationId xmlns:a16="http://schemas.microsoft.com/office/drawing/2014/main" id="{18F9BDD5-D7D4-4E5E-ACB1-B76A1B35CCD1}"/>
+              </a:ext>
+            </a:extLst>
+          </p:cNvPr>
+          <p:cNvSpPr>
+            <a:spLocks noGrp="1"/>
+          </p:cNvSpPr>
+          <p:nvPr>
+            <p:ph idx="1"/>
+          </p:nvPr>
+        </p:nvSpPr>
+        <p:spPr>
+          <a:xfrm>
+            <a:off x="1251678" y="1975105"/>
+            <a:ext cx="10178322" cy="3593591"/>
+          </a:xfrm>
+        </p:spPr>
+        <p:txBody>
+          <a:bodyPr/>
+          <a:lstStyle/>
+          <a:p>
+            <a:r>
+              <a:rPr lang="ru-RU" dirty="0"/>
+              <a:t>Для проекта был разработан сайт, на котором происходит регистрация пользователей. </a:t>
+            </a:r>
+          </a:p>
+          <a:p>
+            <a:endParaRPr lang="ru-RU" dirty="0"/>
+          </a:p>
+        </p:txBody>
+      </p:sp>
+      <p:pic>
+        <p:nvPicPr>
+          <p:cNvPr id="5" name="Рисунок 4">
+            <a:extLst>
+              <a:ext uri="{FF2B5EF4-FFF2-40B4-BE49-F238E27FC236}">
+                <a16:creationId xmlns:a16="http://schemas.microsoft.com/office/drawing/2014/main" id="{2B831257-594A-4B55-A9FD-D05C2DD3525E}"/>
+              </a:ext>
+            </a:extLst>
+          </p:cNvPr>
+          <p:cNvPicPr>
+            <a:picLocks noChangeAspect="1"/>
+          </p:cNvPicPr>
+          <p:nvPr/>
+        </p:nvPicPr>
+        <p:blipFill>
+          <a:blip r:embed="rId2"/>
+          <a:stretch>
+            <a:fillRect/>
+          </a:stretch>
+        </p:blipFill>
+        <p:spPr>
+          <a:xfrm>
+            <a:off x="3875112" y="2642096"/>
+            <a:ext cx="4441776" cy="3604919"/>
+          </a:xfrm>
+          <a:prstGeom prst="rect">
+            <a:avLst/>
+          </a:prstGeom>
+        </p:spPr>
+      </p:pic>
+    </p:spTree>
+    <p:extLst>
+      <p:ext uri="{BB962C8B-B14F-4D97-AF65-F5344CB8AC3E}">
+        <p14:creationId xmlns:p14="http://schemas.microsoft.com/office/powerpoint/2010/main" val="638574028"/>
+      </p:ext>
+    </p:extLst>
+  </p:cSld>
+  <p:clrMapOvr>
+    <a:masterClrMapping/>
+  </p:clrMapOvr>
+  <mc:AlternateContent xmlns:mc="http://schemas.openxmlformats.org/markup-compatibility/2006" xmlns:p14="http://schemas.microsoft.com/office/powerpoint/2010/main">
+    <mc:Choice Requires="p14">
+      <p:transition spd="med" p14:dur="700">
+        <p:fade/>
+      </p:transition>
+    </mc:Choice>
+    <mc:Fallback xmlns="">
+      <p:transition spd="med">
+        <p:fade/>
+      </p:transition>
+    </mc:Fallback>
+  </mc:AlternateContent>
+</p:sld>
+</file>
+
+<file path=ppt/slides/slide7.xml><?xml version="1.0" encoding="utf-8"?>
+<p:sld xmlns:a="http://schemas.openxmlformats.org/drawingml/2006/main" xmlns:r="http://schemas.openxmlformats.org/officeDocument/2006/relationships" xmlns:p="http://schemas.openxmlformats.org/presentationml/2006/main">
+  <p:cSld>
+    <p:spTree>
+      <p:nvGrpSpPr>
+        <p:cNvPr id="1" name=""/>
+        <p:cNvGrpSpPr/>
+        <p:nvPr/>
+      </p:nvGrpSpPr>
+      <p:grpSpPr>
+        <a:xfrm>
+          <a:off x="0" y="0"/>
+          <a:ext cx="0" cy="0"/>
+          <a:chOff x="0" y="0"/>
+          <a:chExt cx="0" cy="0"/>
+        </a:xfrm>
+      </p:grpSpPr>
+      <p:sp>
+        <p:nvSpPr>
+          <p:cNvPr id="2" name="Заголовок 1">
+            <a:extLst>
+              <a:ext uri="{FF2B5EF4-FFF2-40B4-BE49-F238E27FC236}">
+                <a16:creationId xmlns:a16="http://schemas.microsoft.com/office/drawing/2014/main" id="{39BDDA2D-1995-48F4-B78A-9453AD54E453}"/>
+              </a:ext>
+            </a:extLst>
+          </p:cNvPr>
+          <p:cNvSpPr>
+            <a:spLocks noGrp="1"/>
+          </p:cNvSpPr>
+          <p:nvPr>
+            <p:ph type="title"/>
+          </p:nvPr>
+        </p:nvSpPr>
+        <p:spPr/>
+        <p:txBody>
+          <a:bodyPr/>
+          <a:lstStyle/>
+          <a:p>
+            <a:pPr algn="ctr"/>
+            <a:r>
+              <a:rPr lang="ru-RU" dirty="0"/>
+              <a:t>Окно Авторизации</a:t>
+            </a:r>
+          </a:p>
+        </p:txBody>
+      </p:sp>
+      <p:sp>
+        <p:nvSpPr>
+          <p:cNvPr id="3" name="Объект 2">
+            <a:extLst>
+              <a:ext uri="{FF2B5EF4-FFF2-40B4-BE49-F238E27FC236}">
+                <a16:creationId xmlns:a16="http://schemas.microsoft.com/office/drawing/2014/main" id="{7466B213-66A0-443C-8BCA-28C7F3678720}"/>
+              </a:ext>
+            </a:extLst>
+          </p:cNvPr>
+          <p:cNvSpPr>
+            <a:spLocks noGrp="1"/>
+          </p:cNvSpPr>
+          <p:nvPr>
+            <p:ph idx="1"/>
+          </p:nvPr>
+        </p:nvSpPr>
+        <p:spPr/>
+        <p:txBody>
+          <a:bodyPr/>
+          <a:lstStyle/>
+          <a:p>
+            <a:endParaRPr lang="ru-RU" dirty="0"/>
+          </a:p>
+        </p:txBody>
+      </p:sp>
+      <p:pic>
+        <p:nvPicPr>
+          <p:cNvPr id="5" name="Рисунок 4">
+            <a:extLst>
+              <a:ext uri="{FF2B5EF4-FFF2-40B4-BE49-F238E27FC236}">
+                <a16:creationId xmlns:a16="http://schemas.microsoft.com/office/drawing/2014/main" id="{8CB3C0DB-0892-40AB-B655-76BD396C7DE2}"/>
+              </a:ext>
+            </a:extLst>
+          </p:cNvPr>
+          <p:cNvPicPr>
+            <a:picLocks noChangeAspect="1"/>
+          </p:cNvPicPr>
+          <p:nvPr/>
+        </p:nvPicPr>
+        <p:blipFill>
+          <a:blip r:embed="rId2"/>
+          <a:stretch>
+            <a:fillRect/>
+          </a:stretch>
+        </p:blipFill>
+        <p:spPr>
+          <a:xfrm>
+            <a:off x="4606290" y="2253675"/>
+            <a:ext cx="2979420" cy="4295775"/>
+          </a:xfrm>
+          <a:prstGeom prst="rect">
+            <a:avLst/>
+          </a:prstGeom>
+        </p:spPr>
+      </p:pic>
+    </p:spTree>
+    <p:extLst>
+      <p:ext uri="{BB962C8B-B14F-4D97-AF65-F5344CB8AC3E}">
+        <p14:creationId xmlns:p14="http://schemas.microsoft.com/office/powerpoint/2010/main" val="586161051"/>
+      </p:ext>
+    </p:extLst>
+  </p:cSld>
+  <p:clrMapOvr>
+    <a:masterClrMapping/>
+  </p:clrMapOvr>
+  <mc:AlternateContent xmlns:mc="http://schemas.openxmlformats.org/markup-compatibility/2006" xmlns:p14="http://schemas.microsoft.com/office/powerpoint/2010/main">
+    <mc:Choice Requires="p14">
+      <p:transition spd="med" p14:dur="700">
+        <p:fade/>
+      </p:transition>
+    </mc:Choice>
+    <mc:Fallback xmlns="">
+      <p:transition spd="med">
+        <p:fade/>
+      </p:transition>
+    </mc:Fallback>
+  </mc:AlternateContent>
+</p:sld>
+</file>
+
 <file path=ppt/slides/slide8.xml><?xml version="1.0" encoding="utf-8"?>
 <p:sld xmlns:a="http://schemas.openxmlformats.org/drawingml/2006/main" xmlns:r="http://schemas.openxmlformats.org/officeDocument/2006/relationships" xmlns:p="http://schemas.openxmlformats.org/presentationml/2006/main">
   <p:cSld>
@@ -9750,10 +10277,39 @@
       </p:grpSpPr>
       <p:sp>
         <p:nvSpPr>
+          <p:cNvPr id="2" name="Заголовок 1">
+            <a:extLst>
+              <a:ext uri="{FF2B5EF4-FFF2-40B4-BE49-F238E27FC236}">
+                <a16:creationId xmlns:a16="http://schemas.microsoft.com/office/drawing/2014/main" id="{BCB43B9D-BBE2-47AA-B021-A2BD533B0013}"/>
+              </a:ext>
+            </a:extLst>
+          </p:cNvPr>
+          <p:cNvSpPr>
+            <a:spLocks noGrp="1"/>
+          </p:cNvSpPr>
+          <p:nvPr>
+            <p:ph type="title"/>
+          </p:nvPr>
+        </p:nvSpPr>
+        <p:spPr/>
+        <p:txBody>
+          <a:bodyPr/>
+          <a:lstStyle/>
+          <a:p>
+            <a:pPr algn="ctr"/>
+            <a:r>
+              <a:rPr lang="ru-RU" dirty="0"/>
+              <a:t>Главное меню</a:t>
+            </a:r>
+          </a:p>
+        </p:txBody>
+      </p:sp>
+      <p:sp>
+        <p:nvSpPr>
           <p:cNvPr id="3" name="Объект 2">
             <a:extLst>
               <a:ext uri="{FF2B5EF4-FFF2-40B4-BE49-F238E27FC236}">
-                <a16:creationId xmlns:a16="http://schemas.microsoft.com/office/drawing/2014/main" id="{592DB4D9-31D3-459D-B0DB-6F9F48A9C15E}"/>
+                <a16:creationId xmlns:a16="http://schemas.microsoft.com/office/drawing/2014/main" id="{FE9AAB3A-9A82-4877-8330-D0DE0A301414}"/>
               </a:ext>
             </a:extLst>
           </p:cNvPr>
@@ -9764,66 +10320,175 @@
             <p:ph idx="1"/>
           </p:nvPr>
         </p:nvSpPr>
+        <p:spPr/>
+        <p:txBody>
+          <a:bodyPr/>
+          <a:lstStyle/>
+          <a:p>
+            <a:endParaRPr lang="ru-RU"/>
+          </a:p>
+        </p:txBody>
+      </p:sp>
+      <p:pic>
+        <p:nvPicPr>
+          <p:cNvPr id="5" name="Рисунок 4">
+            <a:extLst>
+              <a:ext uri="{FF2B5EF4-FFF2-40B4-BE49-F238E27FC236}">
+                <a16:creationId xmlns:a16="http://schemas.microsoft.com/office/drawing/2014/main" id="{9D437C50-DFA7-497A-898A-DBA0A247BEA0}"/>
+              </a:ext>
+            </a:extLst>
+          </p:cNvPr>
+          <p:cNvPicPr>
+            <a:picLocks noChangeAspect="1"/>
+          </p:cNvPicPr>
+          <p:nvPr/>
+        </p:nvPicPr>
+        <p:blipFill>
+          <a:blip r:embed="rId2"/>
+          <a:stretch>
+            <a:fillRect/>
+          </a:stretch>
+        </p:blipFill>
         <p:spPr>
           <a:xfrm>
-            <a:off x="460972" y="2405723"/>
-            <a:ext cx="10495926" cy="4023360"/>
+            <a:off x="3938286" y="2032739"/>
+            <a:ext cx="4315427" cy="3962953"/>
           </a:xfrm>
+          <a:prstGeom prst="rect">
+            <a:avLst/>
+          </a:prstGeom>
         </p:spPr>
-        <p:txBody>
-          <a:bodyPr>
-            <a:normAutofit/>
-          </a:bodyPr>
-          <a:lstStyle/>
-          <a:p>
-            <a:pPr indent="0" algn="ctr">
-              <a:lnSpc>
-                <a:spcPct val="110000"/>
-              </a:lnSpc>
-              <a:spcAft>
-                <a:spcPts val="800"/>
-              </a:spcAft>
-              <a:buNone/>
-            </a:pPr>
-            <a:r>
-              <a:rPr lang="ru-RU" sz="5400" dirty="0">
-                <a:effectLst/>
-                <a:latin typeface="Arial" panose="020B0604020202020204" pitchFamily="34" charset="0"/>
-                <a:ea typeface="Calibri" panose="020F0502020204030204" pitchFamily="34" charset="0"/>
-                <a:cs typeface="Arial" panose="020B0604020202020204" pitchFamily="34" charset="0"/>
-              </a:rPr>
-              <a:t>	</a:t>
-            </a:r>
-            <a:r>
-              <a:rPr lang="ru-RU" sz="5100" dirty="0">
-                <a:ln w="0"/>
-                <a:solidFill>
-                  <a:schemeClr val="tx1"/>
-                </a:solidFill>
-                <a:effectLst>
-                  <a:outerShdw blurRad="38100" dist="19050" dir="2700000" algn="tl" rotWithShape="0">
-                    <a:schemeClr val="dk1">
-                      <a:alpha val="40000"/>
-                    </a:schemeClr>
-                  </a:outerShdw>
-                </a:effectLst>
-                <a:latin typeface="Arial" panose="020B0604020202020204" pitchFamily="34" charset="0"/>
-                <a:ea typeface="Calibri" panose="020F0502020204030204" pitchFamily="34" charset="0"/>
-                <a:cs typeface="Aharoni" panose="020B0604020202020204" pitchFamily="2" charset="-79"/>
-              </a:rPr>
-              <a:t>Спасибо за внимание!</a:t>
-            </a:r>
-            <a:endParaRPr lang="ru-RU" sz="5100" dirty="0">
-              <a:latin typeface="Arial" panose="020B0604020202020204" pitchFamily="34" charset="0"/>
-              <a:cs typeface="Aharoni" panose="020B0604020202020204" pitchFamily="2" charset="-79"/>
-            </a:endParaRPr>
-          </a:p>
-        </p:txBody>
-      </p:sp>
+      </p:pic>
     </p:spTree>
     <p:extLst>
       <p:ext uri="{BB962C8B-B14F-4D97-AF65-F5344CB8AC3E}">
-        <p14:creationId xmlns:p14="http://schemas.microsoft.com/office/powerpoint/2010/main" val="384015414"/>
+        <p14:creationId xmlns:p14="http://schemas.microsoft.com/office/powerpoint/2010/main" val="4286018491"/>
+      </p:ext>
+    </p:extLst>
+  </p:cSld>
+  <p:clrMapOvr>
+    <a:masterClrMapping/>
+  </p:clrMapOvr>
+  <mc:AlternateContent xmlns:mc="http://schemas.openxmlformats.org/markup-compatibility/2006" xmlns:p14="http://schemas.microsoft.com/office/powerpoint/2010/main">
+    <mc:Choice Requires="p14">
+      <p:transition spd="med" p14:dur="700">
+        <p:fade/>
+      </p:transition>
+    </mc:Choice>
+    <mc:Fallback xmlns="">
+      <p:transition spd="med">
+        <p:fade/>
+      </p:transition>
+    </mc:Fallback>
+  </mc:AlternateContent>
+</p:sld>
+</file>
+
+<file path=ppt/slides/slide9.xml><?xml version="1.0" encoding="utf-8"?>
+<p:sld xmlns:a="http://schemas.openxmlformats.org/drawingml/2006/main" xmlns:r="http://schemas.openxmlformats.org/officeDocument/2006/relationships" xmlns:p="http://schemas.openxmlformats.org/presentationml/2006/main">
+  <p:cSld>
+    <p:spTree>
+      <p:nvGrpSpPr>
+        <p:cNvPr id="1" name=""/>
+        <p:cNvGrpSpPr/>
+        <p:nvPr/>
+      </p:nvGrpSpPr>
+      <p:grpSpPr>
+        <a:xfrm>
+          <a:off x="0" y="0"/>
+          <a:ext cx="0" cy="0"/>
+          <a:chOff x="0" y="0"/>
+          <a:chExt cx="0" cy="0"/>
+        </a:xfrm>
+      </p:grpSpPr>
+      <p:sp>
+        <p:nvSpPr>
+          <p:cNvPr id="2" name="Заголовок 1">
+            <a:extLst>
+              <a:ext uri="{FF2B5EF4-FFF2-40B4-BE49-F238E27FC236}">
+                <a16:creationId xmlns:a16="http://schemas.microsoft.com/office/drawing/2014/main" id="{B3F0EEA3-D2DF-4225-B5C7-AE90E25BDC6E}"/>
+              </a:ext>
+            </a:extLst>
+          </p:cNvPr>
+          <p:cNvSpPr>
+            <a:spLocks noGrp="1"/>
+          </p:cNvSpPr>
+          <p:nvPr>
+            <p:ph type="title"/>
+          </p:nvPr>
+        </p:nvSpPr>
+        <p:spPr/>
+        <p:txBody>
+          <a:bodyPr/>
+          <a:lstStyle/>
+          <a:p>
+            <a:pPr algn="ctr"/>
+            <a:r>
+              <a:rPr lang="ru-RU" dirty="0"/>
+              <a:t>Меню настроек </a:t>
+            </a:r>
+          </a:p>
+        </p:txBody>
+      </p:sp>
+      <p:sp>
+        <p:nvSpPr>
+          <p:cNvPr id="3" name="Объект 2">
+            <a:extLst>
+              <a:ext uri="{FF2B5EF4-FFF2-40B4-BE49-F238E27FC236}">
+                <a16:creationId xmlns:a16="http://schemas.microsoft.com/office/drawing/2014/main" id="{5B0B956C-3A56-4D32-888C-0CC81BBE5252}"/>
+              </a:ext>
+            </a:extLst>
+          </p:cNvPr>
+          <p:cNvSpPr>
+            <a:spLocks noGrp="1"/>
+          </p:cNvSpPr>
+          <p:nvPr>
+            <p:ph idx="1"/>
+          </p:nvPr>
+        </p:nvSpPr>
+        <p:spPr/>
+        <p:txBody>
+          <a:bodyPr/>
+          <a:lstStyle/>
+          <a:p>
+            <a:endParaRPr lang="ru-RU"/>
+          </a:p>
+        </p:txBody>
+      </p:sp>
+      <p:pic>
+        <p:nvPicPr>
+          <p:cNvPr id="5" name="Рисунок 4">
+            <a:extLst>
+              <a:ext uri="{FF2B5EF4-FFF2-40B4-BE49-F238E27FC236}">
+                <a16:creationId xmlns:a16="http://schemas.microsoft.com/office/drawing/2014/main" id="{4FC103B2-FCCC-4FD6-AB54-9DF81405E57F}"/>
+              </a:ext>
+            </a:extLst>
+          </p:cNvPr>
+          <p:cNvPicPr>
+            <a:picLocks noChangeAspect="1"/>
+          </p:cNvPicPr>
+          <p:nvPr/>
+        </p:nvPicPr>
+        <p:blipFill>
+          <a:blip r:embed="rId2"/>
+          <a:stretch>
+            <a:fillRect/>
+          </a:stretch>
+        </p:blipFill>
+        <p:spPr>
+          <a:xfrm>
+            <a:off x="2761784" y="1483818"/>
+            <a:ext cx="6668431" cy="4991797"/>
+          </a:xfrm>
+          <a:prstGeom prst="rect">
+            <a:avLst/>
+          </a:prstGeom>
+        </p:spPr>
+      </p:pic>
+    </p:spTree>
+    <p:extLst>
+      <p:ext uri="{BB962C8B-B14F-4D97-AF65-F5344CB8AC3E}">
+        <p14:creationId xmlns:p14="http://schemas.microsoft.com/office/powerpoint/2010/main" val="1234514194"/>
       </p:ext>
     </p:extLst>
   </p:cSld>

--- a/Docs/LevashovKursPrezent2.pptx
+++ b/Docs/LevashovKursPrezent2.pptx
@@ -209,7 +209,7 @@
           <a:p>
             <a:fld id="{65BFAF22-140B-4626-9D67-F6DC3CD2761B}" type="datetimeFigureOut">
               <a:rPr lang="ru-RU" smtClean="0"/>
-              <a:t>14.03.2022</a:t>
+              <a:t>21.03.2022</a:t>
             </a:fld>
             <a:endParaRPr lang="ru-RU"/>
           </a:p>
@@ -1855,7 +1855,7 @@
           <a:p>
             <a:fld id="{0B8BA4E0-AB67-4CAB-AE68-7FE25406E938}" type="datetimeFigureOut">
               <a:rPr lang="ru-RU" smtClean="0"/>
-              <a:t>14.03.2022</a:t>
+              <a:t>21.03.2022</a:t>
             </a:fld>
             <a:endParaRPr lang="ru-RU"/>
           </a:p>
@@ -2093,7 +2093,7 @@
           <a:p>
             <a:fld id="{0B8BA4E0-AB67-4CAB-AE68-7FE25406E938}" type="datetimeFigureOut">
               <a:rPr lang="ru-RU" smtClean="0"/>
-              <a:t>14.03.2022</a:t>
+              <a:t>21.03.2022</a:t>
             </a:fld>
             <a:endParaRPr lang="ru-RU"/>
           </a:p>
@@ -2285,7 +2285,7 @@
           <a:p>
             <a:fld id="{0B8BA4E0-AB67-4CAB-AE68-7FE25406E938}" type="datetimeFigureOut">
               <a:rPr lang="ru-RU" smtClean="0"/>
-              <a:t>14.03.2022</a:t>
+              <a:t>21.03.2022</a:t>
             </a:fld>
             <a:endParaRPr lang="ru-RU"/>
           </a:p>
@@ -2467,7 +2467,7 @@
           <a:p>
             <a:fld id="{0B8BA4E0-AB67-4CAB-AE68-7FE25406E938}" type="datetimeFigureOut">
               <a:rPr lang="ru-RU" smtClean="0"/>
-              <a:t>14.03.2022</a:t>
+              <a:t>21.03.2022</a:t>
             </a:fld>
             <a:endParaRPr lang="ru-RU"/>
           </a:p>
@@ -2755,7 +2755,7 @@
           <a:p>
             <a:fld id="{0B8BA4E0-AB67-4CAB-AE68-7FE25406E938}" type="datetimeFigureOut">
               <a:rPr lang="ru-RU" smtClean="0"/>
-              <a:t>14.03.2022</a:t>
+              <a:t>21.03.2022</a:t>
             </a:fld>
             <a:endParaRPr lang="ru-RU"/>
           </a:p>
@@ -3968,7 +3968,7 @@
           <a:p>
             <a:fld id="{0B8BA4E0-AB67-4CAB-AE68-7FE25406E938}" type="datetimeFigureOut">
               <a:rPr lang="ru-RU" smtClean="0"/>
-              <a:t>14.03.2022</a:t>
+              <a:t>21.03.2022</a:t>
             </a:fld>
             <a:endParaRPr lang="ru-RU"/>
           </a:p>
@@ -4370,7 +4370,7 @@
           <a:p>
             <a:fld id="{0B8BA4E0-AB67-4CAB-AE68-7FE25406E938}" type="datetimeFigureOut">
               <a:rPr lang="ru-RU" smtClean="0"/>
-              <a:t>14.03.2022</a:t>
+              <a:t>21.03.2022</a:t>
             </a:fld>
             <a:endParaRPr lang="ru-RU"/>
           </a:p>
@@ -4505,7 +4505,7 @@
           <a:p>
             <a:fld id="{0B8BA4E0-AB67-4CAB-AE68-7FE25406E938}" type="datetimeFigureOut">
               <a:rPr lang="ru-RU" smtClean="0"/>
-              <a:t>14.03.2022</a:t>
+              <a:t>21.03.2022</a:t>
             </a:fld>
             <a:endParaRPr lang="ru-RU"/>
           </a:p>
@@ -4612,7 +4612,7 @@
           <a:p>
             <a:fld id="{0B8BA4E0-AB67-4CAB-AE68-7FE25406E938}" type="datetimeFigureOut">
               <a:rPr lang="ru-RU" smtClean="0"/>
-              <a:t>14.03.2022</a:t>
+              <a:t>21.03.2022</a:t>
             </a:fld>
             <a:endParaRPr lang="ru-RU"/>
           </a:p>
@@ -5387,7 +5387,7 @@
           <a:p>
             <a:fld id="{0B8BA4E0-AB67-4CAB-AE68-7FE25406E938}" type="datetimeFigureOut">
               <a:rPr lang="ru-RU" smtClean="0"/>
-              <a:t>14.03.2022</a:t>
+              <a:t>21.03.2022</a:t>
             </a:fld>
             <a:endParaRPr lang="ru-RU"/>
           </a:p>
@@ -6239,7 +6239,7 @@
           <a:p>
             <a:fld id="{0B8BA4E0-AB67-4CAB-AE68-7FE25406E938}" type="datetimeFigureOut">
               <a:rPr lang="ru-RU" smtClean="0"/>
-              <a:t>14.03.2022</a:t>
+              <a:t>21.03.2022</a:t>
             </a:fld>
             <a:endParaRPr lang="ru-RU"/>
           </a:p>
@@ -6478,7 +6478,7 @@
           <a:p>
             <a:fld id="{0B8BA4E0-AB67-4CAB-AE68-7FE25406E938}" type="datetimeFigureOut">
               <a:rPr lang="ru-RU" smtClean="0"/>
-              <a:t>14.03.2022</a:t>
+              <a:t>21.03.2022</a:t>
             </a:fld>
             <a:endParaRPr lang="ru-RU"/>
           </a:p>
@@ -7577,22 +7577,35 @@
               </a:rPr>
             </a:br>
             <a:r>
-              <a:rPr lang="ru-RU" dirty="0">
-                <a:latin typeface="Times New Roman" panose="02020603050405020304" pitchFamily="18" charset="0"/>
-                <a:cs typeface="Times New Roman" panose="02020603050405020304" pitchFamily="18" charset="0"/>
+              <a:rPr lang="ru-RU" sz="2200" dirty="0">
+                <a:effectLst/>
+                <a:latin typeface="Arial" panose="020B0604020202020204" pitchFamily="34" charset="0"/>
+                <a:ea typeface="Times New Roman" panose="02020603050405020304" pitchFamily="18" charset="0"/>
+                <a:cs typeface="Arial" panose="020B0604020202020204" pitchFamily="34" charset="0"/>
               </a:rPr>
-              <a:t>Разработка проекта по созданию игры на </a:t>
-            </a:r>
-            <a:r>
-              <a:rPr lang="en-US" dirty="0">
-                <a:latin typeface="Times New Roman" panose="02020603050405020304" pitchFamily="18" charset="0"/>
-                <a:cs typeface="Times New Roman" panose="02020603050405020304" pitchFamily="18" charset="0"/>
+              <a:t>Создание программного продукта «Компьютерная игра на движке </a:t>
+            </a:r>
+            <a:r>
+              <a:rPr lang="en-US" sz="2200" dirty="0">
+                <a:effectLst/>
+                <a:latin typeface="Arial" panose="020B0604020202020204" pitchFamily="34" charset="0"/>
+                <a:ea typeface="Times New Roman" panose="02020603050405020304" pitchFamily="18" charset="0"/>
+                <a:cs typeface="Arial" panose="020B0604020202020204" pitchFamily="34" charset="0"/>
               </a:rPr>
-              <a:t>UNITY</a:t>
-            </a:r>
-            <a:endParaRPr lang="ru-RU" dirty="0">
-              <a:latin typeface="Times New Roman" panose="02020603050405020304" pitchFamily="18" charset="0"/>
-              <a:cs typeface="Times New Roman" panose="02020603050405020304" pitchFamily="18" charset="0"/>
+              <a:t>Unity</a:t>
+            </a:r>
+            <a:r>
+              <a:rPr lang="ru-RU" sz="2200" dirty="0">
+                <a:effectLst/>
+                <a:latin typeface="Arial" panose="020B0604020202020204" pitchFamily="34" charset="0"/>
+                <a:ea typeface="Times New Roman" panose="02020603050405020304" pitchFamily="18" charset="0"/>
+                <a:cs typeface="Arial" panose="020B0604020202020204" pitchFamily="34" charset="0"/>
+              </a:rPr>
+              <a:t>»</a:t>
+            </a:r>
+            <a:endParaRPr lang="ru-RU" sz="2200" dirty="0">
+              <a:latin typeface="Arial" panose="020B0604020202020204" pitchFamily="34" charset="0"/>
+              <a:cs typeface="Arial" panose="020B0604020202020204" pitchFamily="34" charset="0"/>
             </a:endParaRPr>
           </a:p>
         </p:txBody>
@@ -8582,28 +8595,51 @@
                 <a:latin typeface="Arial" panose="020B0604020202020204" pitchFamily="34" charset="0"/>
                 <a:cs typeface="Arial" panose="020B0604020202020204" pitchFamily="34" charset="0"/>
               </a:rPr>
-              <a:t>Цель проекта: Разработка проекта по созданию компьютерной  игры в жанре </a:t>
-            </a:r>
-            <a:r>
-              <a:rPr lang="en-US" sz="2200" dirty="0" err="1">
+              <a:t>Цель проекта: </a:t>
+            </a:r>
+            <a:r>
+              <a:rPr lang="ru-RU" sz="2200" dirty="0">
                 <a:solidFill>
-                  <a:schemeClr val="tx2"/>
+                  <a:schemeClr val="tx1"/>
                 </a:solidFill>
+                <a:effectLst/>
                 <a:latin typeface="Arial" panose="020B0604020202020204" pitchFamily="34" charset="0"/>
+                <a:ea typeface="Times New Roman" panose="02020603050405020304" pitchFamily="18" charset="0"/>
                 <a:cs typeface="Arial" panose="020B0604020202020204" pitchFamily="34" charset="0"/>
               </a:rPr>
-              <a:t>RogueLike</a:t>
+              <a:t>Создание программного продукта «Компьютерная игра на движке </a:t>
+            </a:r>
+            <a:r>
+              <a:rPr lang="en-US" sz="2200" dirty="0">
+                <a:solidFill>
+                  <a:schemeClr val="tx1"/>
+                </a:solidFill>
+                <a:effectLst/>
+                <a:latin typeface="Arial" panose="020B0604020202020204" pitchFamily="34" charset="0"/>
+                <a:ea typeface="Times New Roman" panose="02020603050405020304" pitchFamily="18" charset="0"/>
+                <a:cs typeface="Arial" panose="020B0604020202020204" pitchFamily="34" charset="0"/>
+              </a:rPr>
+              <a:t>Unity</a:t>
             </a:r>
             <a:r>
               <a:rPr lang="ru-RU" sz="2200" dirty="0">
                 <a:solidFill>
-                  <a:schemeClr val="tx2"/>
+                  <a:schemeClr val="tx1"/>
                 </a:solidFill>
+                <a:effectLst/>
                 <a:latin typeface="Arial" panose="020B0604020202020204" pitchFamily="34" charset="0"/>
+                <a:ea typeface="Times New Roman" panose="02020603050405020304" pitchFamily="18" charset="0"/>
                 <a:cs typeface="Arial" panose="020B0604020202020204" pitchFamily="34" charset="0"/>
               </a:rPr>
-              <a:t>.</a:t>
-            </a:r>
+              <a:t>»</a:t>
+            </a:r>
+            <a:endParaRPr lang="ru-RU" sz="2200" dirty="0">
+              <a:solidFill>
+                <a:schemeClr val="tx1"/>
+              </a:solidFill>
+              <a:latin typeface="Arial" panose="020B0604020202020204" pitchFamily="34" charset="0"/>
+              <a:cs typeface="Arial" panose="020B0604020202020204" pitchFamily="34" charset="0"/>
+            </a:endParaRPr>
           </a:p>
           <a:p>
             <a:pPr marL="0" indent="0">
@@ -8902,7 +8938,7 @@
                 <a:ea typeface="Times New Roman" panose="02020603050405020304" pitchFamily="18" charset="0"/>
                 <a:cs typeface="Arial" panose="020B0604020202020204" pitchFamily="34" charset="0"/>
               </a:rPr>
-              <a:t>Разработать и </a:t>
+              <a:t>разработать и </a:t>
             </a:r>
             <a:r>
               <a:rPr lang="ru-RU" sz="1600" dirty="0">
@@ -8952,7 +8988,7 @@
                 <a:ea typeface="Times New Roman" panose="02020603050405020304" pitchFamily="18" charset="0"/>
                 <a:cs typeface="Arial" panose="020B0604020202020204" pitchFamily="34" charset="0"/>
               </a:rPr>
-              <a:t>-разработать справочники, документы, отчеты и другие объекты конфигурации для данного проекта;</a:t>
+              <a:t>-разработать справочники, документы, отчеты и другие объекты конфигурации для данного проекта.</a:t>
             </a:r>
             <a:endParaRPr lang="ru-RU" sz="1600" dirty="0">
               <a:effectLst/>
@@ -9661,7 +9697,7 @@
           <a:p>
             <a:r>
               <a:rPr lang="ru-RU" dirty="0"/>
-              <a:t>Архитектура игры была выбрана клиент сервер. Это позволит более безопасно хранить данные от других пользователей.</a:t>
+              <a:t>Архитектура игры была выбрана клиент сервер. Это позволит безопасно хранить данные от других пользователей.</a:t>
             </a:r>
           </a:p>
         </p:txBody>
